--- a/Car Service/doc/Prezentacja.pptx
+++ b/Car Service/doc/Prezentacja.pptx
@@ -14208,7 +14208,7 @@
       </p:sp>
       <p:pic>
         <p:nvPicPr>
-          <p:cNvPr id="5" name="Symbol zastępczy zawartości 4"/>
+          <p:cNvPr id="4" name="Symbol zastępczy zawartości 3"/>
           <p:cNvPicPr>
             <a:picLocks noGrp="1" noChangeAspect="1"/>
           </p:cNvPicPr>
@@ -14230,8 +14230,8 @@
         </p:blipFill>
         <p:spPr>
           <a:xfrm>
-            <a:off x="971600" y="1916832"/>
-            <a:ext cx="7416824" cy="3605808"/>
+            <a:off x="1042988" y="2523665"/>
+            <a:ext cx="6777037" cy="3109245"/>
           </a:xfrm>
         </p:spPr>
       </p:pic>
@@ -14310,7 +14310,7 @@
       </p:sp>
       <p:pic>
         <p:nvPicPr>
-          <p:cNvPr id="4" name="Symbol zastępczy zawartości 3"/>
+          <p:cNvPr id="5" name="Symbol zastępczy zawartości 4"/>
           <p:cNvPicPr>
             <a:picLocks noGrp="1" noChangeAspect="1"/>
           </p:cNvPicPr>
@@ -14332,8 +14332,8 @@
         </p:blipFill>
         <p:spPr>
           <a:xfrm>
-            <a:off x="1331640" y="1412776"/>
-            <a:ext cx="6552728" cy="4984482"/>
+            <a:off x="1619672" y="1412776"/>
+            <a:ext cx="6404897" cy="5044890"/>
           </a:xfrm>
         </p:spPr>
       </p:pic>
@@ -14442,7 +14442,7 @@
       </p:pic>
       <p:pic>
         <p:nvPicPr>
-          <p:cNvPr id="8" name="Symbol zastępczy zawartości 7"/>
+          <p:cNvPr id="4" name="Symbol zastępczy zawartości 3"/>
           <p:cNvPicPr>
             <a:picLocks noGrp="1" noChangeAspect="1"/>
           </p:cNvPicPr>
@@ -14464,8 +14464,8 @@
         </p:blipFill>
         <p:spPr>
           <a:xfrm>
-            <a:off x="2771800" y="2636912"/>
-            <a:ext cx="4127822" cy="2526317"/>
+            <a:off x="2555269" y="2852936"/>
+            <a:ext cx="3895568" cy="2363874"/>
           </a:xfrm>
         </p:spPr>
       </p:pic>
@@ -14596,7 +14596,7 @@
       </p:sp>
       <p:pic>
         <p:nvPicPr>
-          <p:cNvPr id="4" name="Symbol zastępczy zawartości 3"/>
+          <p:cNvPr id="5" name="Symbol zastępczy zawartości 4"/>
           <p:cNvPicPr>
             <a:picLocks noGrp="1" noChangeAspect="1"/>
           </p:cNvPicPr>
@@ -14618,8 +14618,8 @@
         </p:blipFill>
         <p:spPr>
           <a:xfrm>
-            <a:off x="755576" y="1628800"/>
-            <a:ext cx="7759214" cy="4176464"/>
+            <a:off x="574280" y="2132855"/>
+            <a:ext cx="7886152" cy="3977463"/>
           </a:xfrm>
         </p:spPr>
       </p:pic>

--- a/Car Service/doc/Prezentacja.pptx
+++ b/Car Service/doc/Prezentacja.pptx
@@ -11,6 +11,14 @@
     <p:sldId id="257" r:id="rId5"/>
     <p:sldId id="260" r:id="rId6"/>
     <p:sldId id="258" r:id="rId7"/>
+    <p:sldId id="262" r:id="rId8"/>
+    <p:sldId id="263" r:id="rId9"/>
+    <p:sldId id="266" r:id="rId10"/>
+    <p:sldId id="264" r:id="rId11"/>
+    <p:sldId id="265" r:id="rId12"/>
+    <p:sldId id="267" r:id="rId13"/>
+    <p:sldId id="268" r:id="rId14"/>
+    <p:sldId id="269" r:id="rId15"/>
   </p:sldIdLst>
   <p:sldSz cx="9144000" cy="6858000" type="screen4x3"/>
   <p:notesSz cx="6858000" cy="9144000"/>
@@ -113,7 +121,7 @@
 </file>
 
 <file path=ppt/slideLayouts/slideLayout1.xml><?xml version="1.0" encoding="utf-8"?>
-<p:sldLayout xmlns:a="http://schemas.openxmlformats.org/drawingml/2006/main" xmlns:r="http://schemas.openxmlformats.org/officeDocument/2006/relationships" xmlns:p="http://schemas.openxmlformats.org/presentationml/2006/main" showMasterSp="0" type="title" preserve="1">
+<p:sldLayout xmlns:a="http://schemas.openxmlformats.org/drawingml/2006/main" xmlns:r="http://schemas.openxmlformats.org/officeDocument/2006/relationships" xmlns:p="http://schemas.openxmlformats.org/presentationml/2006/main" type="title" preserve="1">
   <p:cSld name="Slajd tytułowy">
     <p:spTree>
       <p:nvGrpSpPr>
@@ -2869,7 +2877,7 @@
           <a:p>
             <a:fld id="{C90A66AE-81F5-474A-B74B-EE41E9320F19}" type="datetimeFigureOut">
               <a:rPr lang="uk-UA" smtClean="0"/>
-              <a:t>26.05.2014</a:t>
+              <a:t>27.05.2014</a:t>
             </a:fld>
             <a:endParaRPr lang="uk-UA"/>
           </a:p>
@@ -3042,6 +3050,18 @@
   <p:clrMapOvr>
     <a:masterClrMapping/>
   </p:clrMapOvr>
+  <mc:AlternateContent xmlns:mc="http://schemas.openxmlformats.org/markup-compatibility/2006">
+    <mc:Choice xmlns:p14="http://schemas.microsoft.com/office/powerpoint/2010/main" Requires="p14">
+      <p:transition spd="slow" p14:dur="1600">
+        <p14:prism isContent="1" isInverted="1"/>
+      </p:transition>
+    </mc:Choice>
+    <mc:Fallback>
+      <p:transition spd="slow">
+        <p:fade/>
+      </p:transition>
+    </mc:Fallback>
+  </mc:AlternateContent>
 </p:sldLayout>
 </file>
 
@@ -3154,7 +3174,7 @@
           <a:p>
             <a:fld id="{C90A66AE-81F5-474A-B74B-EE41E9320F19}" type="datetimeFigureOut">
               <a:rPr lang="uk-UA" smtClean="0"/>
-              <a:t>26.05.2014</a:t>
+              <a:t>27.05.2014</a:t>
             </a:fld>
             <a:endParaRPr lang="uk-UA"/>
           </a:p>
@@ -3207,6 +3227,18 @@
   <p:clrMapOvr>
     <a:masterClrMapping/>
   </p:clrMapOvr>
+  <mc:AlternateContent xmlns:mc="http://schemas.openxmlformats.org/markup-compatibility/2006">
+    <mc:Choice xmlns:p14="http://schemas.microsoft.com/office/powerpoint/2010/main" Requires="p14">
+      <p:transition spd="slow" p14:dur="1600">
+        <p14:prism isContent="1" isInverted="1"/>
+      </p:transition>
+    </mc:Choice>
+    <mc:Fallback>
+      <p:transition spd="slow">
+        <p:fade/>
+      </p:transition>
+    </mc:Fallback>
+  </mc:AlternateContent>
 </p:sldLayout>
 </file>
 
@@ -3329,7 +3361,7 @@
           <a:p>
             <a:fld id="{C90A66AE-81F5-474A-B74B-EE41E9320F19}" type="datetimeFigureOut">
               <a:rPr lang="uk-UA" smtClean="0"/>
-              <a:t>26.05.2014</a:t>
+              <a:t>27.05.2014</a:t>
             </a:fld>
             <a:endParaRPr lang="uk-UA"/>
           </a:p>
@@ -3382,6 +3414,18 @@
   <p:clrMapOvr>
     <a:masterClrMapping/>
   </p:clrMapOvr>
+  <mc:AlternateContent xmlns:mc="http://schemas.openxmlformats.org/markup-compatibility/2006">
+    <mc:Choice xmlns:p14="http://schemas.microsoft.com/office/powerpoint/2010/main" Requires="p14">
+      <p:transition spd="slow" p14:dur="1600">
+        <p14:prism isContent="1" isInverted="1"/>
+      </p:transition>
+    </mc:Choice>
+    <mc:Fallback>
+      <p:transition spd="slow">
+        <p:fade/>
+      </p:transition>
+    </mc:Fallback>
+  </mc:AlternateContent>
 </p:sldLayout>
 </file>
 
@@ -3494,7 +3538,7 @@
           <a:p>
             <a:fld id="{C90A66AE-81F5-474A-B74B-EE41E9320F19}" type="datetimeFigureOut">
               <a:rPr lang="uk-UA" smtClean="0"/>
-              <a:t>26.05.2014</a:t>
+              <a:t>27.05.2014</a:t>
             </a:fld>
             <a:endParaRPr lang="uk-UA"/>
           </a:p>
@@ -3547,6 +3591,18 @@
   <p:clrMapOvr>
     <a:masterClrMapping/>
   </p:clrMapOvr>
+  <mc:AlternateContent xmlns:mc="http://schemas.openxmlformats.org/markup-compatibility/2006">
+    <mc:Choice xmlns:p14="http://schemas.microsoft.com/office/powerpoint/2010/main" Requires="p14">
+      <p:transition spd="slow" p14:dur="1600">
+        <p14:prism isContent="1" isInverted="1"/>
+      </p:transition>
+    </mc:Choice>
+    <mc:Fallback>
+      <p:transition spd="slow">
+        <p:fade/>
+      </p:transition>
+    </mc:Fallback>
+  </mc:AlternateContent>
 </p:sldLayout>
 </file>
 
@@ -3735,7 +3791,7 @@
           <a:p>
             <a:fld id="{C90A66AE-81F5-474A-B74B-EE41E9320F19}" type="datetimeFigureOut">
               <a:rPr lang="uk-UA" smtClean="0"/>
-              <a:t>26.05.2014</a:t>
+              <a:t>27.05.2014</a:t>
             </a:fld>
             <a:endParaRPr lang="uk-UA"/>
           </a:p>
@@ -3788,6 +3844,18 @@
   <p:clrMapOvr>
     <a:masterClrMapping/>
   </p:clrMapOvr>
+  <mc:AlternateContent xmlns:mc="http://schemas.openxmlformats.org/markup-compatibility/2006">
+    <mc:Choice xmlns:p14="http://schemas.microsoft.com/office/powerpoint/2010/main" Requires="p14">
+      <p:transition spd="slow" p14:dur="1600">
+        <p14:prism isContent="1" isInverted="1"/>
+      </p:transition>
+    </mc:Choice>
+    <mc:Fallback>
+      <p:transition spd="slow">
+        <p:fade/>
+      </p:transition>
+    </mc:Fallback>
+  </mc:AlternateContent>
 </p:sldLayout>
 </file>
 
@@ -3848,7 +3916,7 @@
           <a:p>
             <a:fld id="{C90A66AE-81F5-474A-B74B-EE41E9320F19}" type="datetimeFigureOut">
               <a:rPr lang="uk-UA" smtClean="0"/>
-              <a:t>26.05.2014</a:t>
+              <a:t>27.05.2014</a:t>
             </a:fld>
             <a:endParaRPr lang="uk-UA"/>
           </a:p>
@@ -4015,6 +4083,18 @@
   <p:clrMapOvr>
     <a:masterClrMapping/>
   </p:clrMapOvr>
+  <mc:AlternateContent xmlns:mc="http://schemas.openxmlformats.org/markup-compatibility/2006">
+    <mc:Choice xmlns:p14="http://schemas.microsoft.com/office/powerpoint/2010/main" Requires="p14">
+      <p:transition spd="slow" p14:dur="1600">
+        <p14:prism isContent="1" isInverted="1"/>
+      </p:transition>
+    </mc:Choice>
+    <mc:Fallback>
+      <p:transition spd="slow">
+        <p:fade/>
+      </p:transition>
+    </mc:Fallback>
+  </mc:AlternateContent>
 </p:sldLayout>
 </file>
 
@@ -4387,7 +4467,7 @@
           <a:p>
             <a:fld id="{C90A66AE-81F5-474A-B74B-EE41E9320F19}" type="datetimeFigureOut">
               <a:rPr lang="uk-UA" smtClean="0"/>
-              <a:t>26.05.2014</a:t>
+              <a:t>27.05.2014</a:t>
             </a:fld>
             <a:endParaRPr lang="uk-UA"/>
           </a:p>
@@ -4440,6 +4520,18 @@
   <p:clrMapOvr>
     <a:masterClrMapping/>
   </p:clrMapOvr>
+  <mc:AlternateContent xmlns:mc="http://schemas.openxmlformats.org/markup-compatibility/2006">
+    <mc:Choice xmlns:p14="http://schemas.microsoft.com/office/powerpoint/2010/main" Requires="p14">
+      <p:transition spd="slow" p14:dur="1600">
+        <p14:prism isContent="1" isInverted="1"/>
+      </p:transition>
+    </mc:Choice>
+    <mc:Fallback>
+      <p:transition spd="slow">
+        <p:fade/>
+      </p:transition>
+    </mc:Fallback>
+  </mc:AlternateContent>
 </p:sldLayout>
 </file>
 
@@ -4500,7 +4592,7 @@
           <a:p>
             <a:fld id="{C90A66AE-81F5-474A-B74B-EE41E9320F19}" type="datetimeFigureOut">
               <a:rPr lang="uk-UA" smtClean="0"/>
-              <a:t>26.05.2014</a:t>
+              <a:t>27.05.2014</a:t>
             </a:fld>
             <a:endParaRPr lang="uk-UA"/>
           </a:p>
@@ -4553,6 +4645,18 @@
   <p:clrMapOvr>
     <a:masterClrMapping/>
   </p:clrMapOvr>
+  <mc:AlternateContent xmlns:mc="http://schemas.openxmlformats.org/markup-compatibility/2006">
+    <mc:Choice xmlns:p14="http://schemas.microsoft.com/office/powerpoint/2010/main" Requires="p14">
+      <p:transition spd="slow" p14:dur="1600">
+        <p14:prism isContent="1" isInverted="1"/>
+      </p:transition>
+    </mc:Choice>
+    <mc:Fallback>
+      <p:transition spd="slow">
+        <p:fade/>
+      </p:transition>
+    </mc:Fallback>
+  </mc:AlternateContent>
 </p:sldLayout>
 </file>
 
@@ -4590,7 +4694,7 @@
           <a:p>
             <a:fld id="{C90A66AE-81F5-474A-B74B-EE41E9320F19}" type="datetimeFigureOut">
               <a:rPr lang="uk-UA" smtClean="0"/>
-              <a:t>26.05.2014</a:t>
+              <a:t>27.05.2014</a:t>
             </a:fld>
             <a:endParaRPr lang="uk-UA"/>
           </a:p>
@@ -4643,11 +4747,23 @@
   <p:clrMapOvr>
     <a:masterClrMapping/>
   </p:clrMapOvr>
+  <mc:AlternateContent xmlns:mc="http://schemas.openxmlformats.org/markup-compatibility/2006">
+    <mc:Choice xmlns:p14="http://schemas.microsoft.com/office/powerpoint/2010/main" Requires="p14">
+      <p:transition spd="slow" p14:dur="1600">
+        <p14:prism isContent="1" isInverted="1"/>
+      </p:transition>
+    </mc:Choice>
+    <mc:Fallback>
+      <p:transition spd="slow">
+        <p:fade/>
+      </p:transition>
+    </mc:Fallback>
+  </mc:AlternateContent>
 </p:sldLayout>
 </file>
 
 <file path=ppt/slideLayouts/slideLayout8.xml><?xml version="1.0" encoding="utf-8"?>
-<p:sldLayout xmlns:a="http://schemas.openxmlformats.org/drawingml/2006/main" xmlns:r="http://schemas.openxmlformats.org/officeDocument/2006/relationships" xmlns:p="http://schemas.openxmlformats.org/presentationml/2006/main" showMasterSp="0" type="objTx" preserve="1">
+<p:sldLayout xmlns:a="http://schemas.openxmlformats.org/drawingml/2006/main" xmlns:r="http://schemas.openxmlformats.org/officeDocument/2006/relationships" xmlns:p="http://schemas.openxmlformats.org/presentationml/2006/main" type="objTx" preserve="1">
   <p:cSld name="Zawartość z podpisem">
     <p:spTree>
       <p:nvGrpSpPr>
@@ -7241,7 +7357,7 @@
           <a:p>
             <a:fld id="{C90A66AE-81F5-474A-B74B-EE41E9320F19}" type="datetimeFigureOut">
               <a:rPr lang="uk-UA" smtClean="0"/>
-              <a:t>26.05.2014</a:t>
+              <a:t>27.05.2014</a:t>
             </a:fld>
             <a:endParaRPr lang="uk-UA"/>
           </a:p>
@@ -7585,11 +7701,23 @@
   <p:clrMapOvr>
     <a:masterClrMapping/>
   </p:clrMapOvr>
+  <mc:AlternateContent xmlns:mc="http://schemas.openxmlformats.org/markup-compatibility/2006">
+    <mc:Choice xmlns:p14="http://schemas.microsoft.com/office/powerpoint/2010/main" Requires="p14">
+      <p:transition spd="slow" p14:dur="1600">
+        <p14:prism isContent="1" isInverted="1"/>
+      </p:transition>
+    </mc:Choice>
+    <mc:Fallback>
+      <p:transition spd="slow">
+        <p:fade/>
+      </p:transition>
+    </mc:Fallback>
+  </mc:AlternateContent>
 </p:sldLayout>
 </file>
 
 <file path=ppt/slideLayouts/slideLayout9.xml><?xml version="1.0" encoding="utf-8"?>
-<p:sldLayout xmlns:a="http://schemas.openxmlformats.org/drawingml/2006/main" xmlns:r="http://schemas.openxmlformats.org/officeDocument/2006/relationships" xmlns:p="http://schemas.openxmlformats.org/presentationml/2006/main" showMasterSp="0" type="picTx" preserve="1">
+<p:sldLayout xmlns:a="http://schemas.openxmlformats.org/drawingml/2006/main" xmlns:r="http://schemas.openxmlformats.org/officeDocument/2006/relationships" xmlns:p="http://schemas.openxmlformats.org/presentationml/2006/main" type="picTx" preserve="1">
   <p:cSld name="Obraz z podpisem">
     <p:spTree>
       <p:nvGrpSpPr>
@@ -10453,7 +10581,7 @@
           <a:p>
             <a:fld id="{C90A66AE-81F5-474A-B74B-EE41E9320F19}" type="datetimeFigureOut">
               <a:rPr lang="uk-UA" smtClean="0"/>
-              <a:t>26.05.2014</a:t>
+              <a:t>27.05.2014</a:t>
             </a:fld>
             <a:endParaRPr lang="uk-UA"/>
           </a:p>
@@ -10513,6 +10641,18 @@
   <p:clrMapOvr>
     <a:masterClrMapping/>
   </p:clrMapOvr>
+  <mc:AlternateContent xmlns:mc="http://schemas.openxmlformats.org/markup-compatibility/2006">
+    <mc:Choice xmlns:p14="http://schemas.microsoft.com/office/powerpoint/2010/main" Requires="p14">
+      <p:transition spd="slow" p14:dur="1600">
+        <p14:prism isContent="1" isInverted="1"/>
+      </p:transition>
+    </mc:Choice>
+    <mc:Fallback>
+      <p:transition spd="slow">
+        <p:fade/>
+      </p:transition>
+    </mc:Fallback>
+  </mc:AlternateContent>
 </p:sldLayout>
 </file>
 
@@ -10520,9 +10660,18 @@
 <p:sldMaster xmlns:a="http://schemas.openxmlformats.org/drawingml/2006/main" xmlns:r="http://schemas.openxmlformats.org/officeDocument/2006/relationships" xmlns:p="http://schemas.openxmlformats.org/presentationml/2006/main">
   <p:cSld>
     <p:bg>
-      <p:bgRef idx="1002">
-        <a:schemeClr val="bg2"/>
-      </p:bgRef>
+      <p:bgPr>
+        <a:blipFill dpi="0" rotWithShape="1">
+          <a:blip r:embed="rId13">
+            <a:lum/>
+          </a:blip>
+          <a:srcRect/>
+          <a:stretch>
+            <a:fillRect l="-17000" r="-17000"/>
+          </a:stretch>
+        </a:blipFill>
+        <a:effectLst/>
+      </p:bgPr>
     </p:bg>
     <p:spTree>
       <p:nvGrpSpPr>
@@ -13275,7 +13424,7 @@
           <a:p>
             <a:fld id="{C90A66AE-81F5-474A-B74B-EE41E9320F19}" type="datetimeFigureOut">
               <a:rPr lang="uk-UA" smtClean="0"/>
-              <a:t>26.05.2014</a:t>
+              <a:t>27.05.2014</a:t>
             </a:fld>
             <a:endParaRPr lang="uk-UA"/>
           </a:p>
@@ -13371,6 +13520,18 @@
     <p:sldLayoutId id="2147483670" r:id="rId10"/>
     <p:sldLayoutId id="2147483671" r:id="rId11"/>
   </p:sldLayoutIdLst>
+  <mc:AlternateContent xmlns:mc="http://schemas.openxmlformats.org/markup-compatibility/2006">
+    <mc:Choice xmlns:p14="http://schemas.microsoft.com/office/powerpoint/2010/main" Requires="p14">
+      <p:transition spd="slow" p14:dur="1600">
+        <p14:prism isContent="1" isInverted="1"/>
+      </p:transition>
+    </mc:Choice>
+    <mc:Fallback>
+      <p:transition spd="slow">
+        <p:fade/>
+      </p:transition>
+    </mc:Fallback>
+  </mc:AlternateContent>
   <p:txStyles>
     <p:titleStyle>
       <a:lvl1pPr algn="l" defTabSz="914400" rtl="0" eaLnBrk="1" latinLnBrk="0" hangingPunct="1">
@@ -13719,20 +13880,6 @@
 <file path=ppt/slides/slide1.xml><?xml version="1.0" encoding="utf-8"?>
 <p:sld xmlns:a="http://schemas.openxmlformats.org/drawingml/2006/main" xmlns:r="http://schemas.openxmlformats.org/officeDocument/2006/relationships" xmlns:p="http://schemas.openxmlformats.org/presentationml/2006/main">
   <p:cSld>
-    <p:bg>
-      <p:bgPr>
-        <a:blipFill dpi="0" rotWithShape="1">
-          <a:blip r:embed="rId2">
-            <a:lum/>
-          </a:blip>
-          <a:srcRect/>
-          <a:stretch>
-            <a:fillRect l="-17000" r="-17000"/>
-          </a:stretch>
-        </a:blipFill>
-        <a:effectLst/>
-      </p:bgPr>
-    </p:bg>
     <p:spTree>
       <p:nvGrpSpPr>
         <p:cNvPr id="1" name=""/>
@@ -14003,7 +14150,7 @@
           <p:nvPr/>
         </p:nvPicPr>
         <p:blipFill>
-          <a:blip r:embed="rId3" cstate="print">
+          <a:blip r:embed="rId2" cstate="print">
             <a:extLst>
               <a:ext uri="{28A0092B-C50C-407E-A947-70E740481C1C}">
                 <a14:useLocalDpi xmlns:a14="http://schemas.microsoft.com/office/drawing/2010/main" val="0"/>
@@ -14034,6 +14181,657 @@
   <p:clrMapOvr>
     <a:masterClrMapping/>
   </p:clrMapOvr>
+  <mc:AlternateContent xmlns:mc="http://schemas.openxmlformats.org/markup-compatibility/2006">
+    <mc:Choice xmlns:p14="http://schemas.microsoft.com/office/powerpoint/2010/main" Requires="p14">
+      <p:transition spd="slow" p14:dur="1600">
+        <p14:prism isContent="1" isInverted="1"/>
+      </p:transition>
+    </mc:Choice>
+    <mc:Fallback>
+      <p:transition spd="slow">
+        <p:fade/>
+      </p:transition>
+    </mc:Fallback>
+  </mc:AlternateContent>
+  <p:timing>
+    <p:tnLst>
+      <p:par>
+        <p:cTn id="1" dur="indefinite" restart="never" nodeType="tmRoot"/>
+      </p:par>
+    </p:tnLst>
+  </p:timing>
+</p:sld>
+</file>
+
+<file path=ppt/slides/slide10.xml><?xml version="1.0" encoding="utf-8"?>
+<p:sld xmlns:a="http://schemas.openxmlformats.org/drawingml/2006/main" xmlns:r="http://schemas.openxmlformats.org/officeDocument/2006/relationships" xmlns:p="http://schemas.openxmlformats.org/presentationml/2006/main">
+  <p:cSld>
+    <p:spTree>
+      <p:nvGrpSpPr>
+        <p:cNvPr id="1" name=""/>
+        <p:cNvGrpSpPr/>
+        <p:nvPr/>
+      </p:nvGrpSpPr>
+      <p:grpSpPr>
+        <a:xfrm>
+          <a:off x="0" y="0"/>
+          <a:ext cx="0" cy="0"/>
+          <a:chOff x="0" y="0"/>
+          <a:chExt cx="0" cy="0"/>
+        </a:xfrm>
+      </p:grpSpPr>
+      <p:sp>
+        <p:nvSpPr>
+          <p:cNvPr id="2" name="Tytuł 1"/>
+          <p:cNvSpPr>
+            <a:spLocks noGrp="1"/>
+          </p:cNvSpPr>
+          <p:nvPr>
+            <p:ph type="title"/>
+          </p:nvPr>
+        </p:nvSpPr>
+        <p:spPr>
+          <a:xfrm>
+            <a:off x="1004392" y="764704"/>
+            <a:ext cx="7200800" cy="576064"/>
+          </a:xfrm>
+        </p:spPr>
+        <p:txBody>
+          <a:bodyPr>
+            <a:noAutofit/>
+          </a:bodyPr>
+          <a:lstStyle/>
+          <a:p>
+            <a:r>
+              <a:rPr lang="pl-PL" dirty="0" smtClean="0">
+                <a:solidFill>
+                  <a:srgbClr val="00B0F0"/>
+                </a:solidFill>
+              </a:rPr>
+              <a:t>User vs Service </a:t>
+            </a:r>
+            <a:r>
+              <a:rPr lang="pl-PL" dirty="0" err="1" smtClean="0">
+                <a:solidFill>
+                  <a:srgbClr val="00B0F0"/>
+                </a:solidFill>
+              </a:rPr>
+              <a:t>registration</a:t>
+            </a:r>
+            <a:endParaRPr lang="uk-UA" dirty="0">
+              <a:solidFill>
+                <a:srgbClr val="00B0F0"/>
+              </a:solidFill>
+            </a:endParaRPr>
+          </a:p>
+        </p:txBody>
+      </p:sp>
+      <p:pic>
+        <p:nvPicPr>
+          <p:cNvPr id="4" name="Symbol zastępczy zawartości 3"/>
+          <p:cNvPicPr>
+            <a:picLocks noGrp="1" noChangeAspect="1"/>
+          </p:cNvPicPr>
+          <p:nvPr>
+            <p:ph idx="1"/>
+          </p:nvPr>
+        </p:nvPicPr>
+        <p:blipFill>
+          <a:blip r:embed="rId2">
+            <a:extLst>
+              <a:ext uri="{28A0092B-C50C-407E-A947-70E740481C1C}">
+                <a14:useLocalDpi xmlns:a14="http://schemas.microsoft.com/office/drawing/2010/main" val="0"/>
+              </a:ext>
+            </a:extLst>
+          </a:blip>
+          <a:stretch>
+            <a:fillRect/>
+          </a:stretch>
+        </p:blipFill>
+        <p:spPr>
+          <a:xfrm>
+            <a:off x="899592" y="1496516"/>
+            <a:ext cx="3168352" cy="4755951"/>
+          </a:xfrm>
+        </p:spPr>
+      </p:pic>
+      <p:pic>
+        <p:nvPicPr>
+          <p:cNvPr id="5" name="Obraz 4"/>
+          <p:cNvPicPr>
+            <a:picLocks noChangeAspect="1"/>
+          </p:cNvPicPr>
+          <p:nvPr/>
+        </p:nvPicPr>
+        <p:blipFill rotWithShape="1">
+          <a:blip r:embed="rId3">
+            <a:extLst>
+              <a:ext uri="{28A0092B-C50C-407E-A947-70E740481C1C}">
+                <a14:useLocalDpi xmlns:a14="http://schemas.microsoft.com/office/drawing/2010/main" val="0"/>
+              </a:ext>
+            </a:extLst>
+          </a:blip>
+          <a:srcRect/>
+          <a:stretch/>
+        </p:blipFill>
+        <p:spPr>
+          <a:xfrm>
+            <a:off x="5078384" y="1506860"/>
+            <a:ext cx="3126808" cy="4732436"/>
+          </a:xfrm>
+          <a:prstGeom prst="rect">
+            <a:avLst/>
+          </a:prstGeom>
+        </p:spPr>
+      </p:pic>
+    </p:spTree>
+    <p:extLst>
+      <p:ext uri="{BB962C8B-B14F-4D97-AF65-F5344CB8AC3E}">
+        <p14:creationId xmlns:p14="http://schemas.microsoft.com/office/powerpoint/2010/main" val="2387809383"/>
+      </p:ext>
+    </p:extLst>
+  </p:cSld>
+  <p:clrMapOvr>
+    <a:masterClrMapping/>
+  </p:clrMapOvr>
+  <mc:AlternateContent xmlns:mc="http://schemas.openxmlformats.org/markup-compatibility/2006">
+    <mc:Choice xmlns:p14="http://schemas.microsoft.com/office/powerpoint/2010/main" Requires="p14">
+      <p:transition spd="slow" p14:dur="1600">
+        <p14:prism isContent="1" isInverted="1"/>
+      </p:transition>
+    </mc:Choice>
+    <mc:Fallback>
+      <p:transition spd="slow">
+        <p:fade/>
+      </p:transition>
+    </mc:Fallback>
+  </mc:AlternateContent>
+  <p:timing>
+    <p:tnLst>
+      <p:par>
+        <p:cTn id="1" dur="indefinite" restart="never" nodeType="tmRoot"/>
+      </p:par>
+    </p:tnLst>
+  </p:timing>
+</p:sld>
+</file>
+
+<file path=ppt/slides/slide11.xml><?xml version="1.0" encoding="utf-8"?>
+<p:sld xmlns:a="http://schemas.openxmlformats.org/drawingml/2006/main" xmlns:r="http://schemas.openxmlformats.org/officeDocument/2006/relationships" xmlns:p="http://schemas.openxmlformats.org/presentationml/2006/main">
+  <p:cSld>
+    <p:spTree>
+      <p:nvGrpSpPr>
+        <p:cNvPr id="1" name=""/>
+        <p:cNvGrpSpPr/>
+        <p:nvPr/>
+      </p:nvGrpSpPr>
+      <p:grpSpPr>
+        <a:xfrm>
+          <a:off x="0" y="0"/>
+          <a:ext cx="0" cy="0"/>
+          <a:chOff x="0" y="0"/>
+          <a:chExt cx="0" cy="0"/>
+        </a:xfrm>
+      </p:grpSpPr>
+      <p:sp>
+        <p:nvSpPr>
+          <p:cNvPr id="2" name="Tytuł 1"/>
+          <p:cNvSpPr>
+            <a:spLocks noGrp="1"/>
+          </p:cNvSpPr>
+          <p:nvPr>
+            <p:ph type="title"/>
+          </p:nvPr>
+        </p:nvSpPr>
+        <p:spPr>
+          <a:xfrm>
+            <a:off x="2699792" y="599480"/>
+            <a:ext cx="4239468" cy="813296"/>
+          </a:xfrm>
+        </p:spPr>
+        <p:txBody>
+          <a:bodyPr/>
+          <a:lstStyle/>
+          <a:p>
+            <a:r>
+              <a:rPr lang="pl-PL" dirty="0" smtClean="0">
+                <a:solidFill>
+                  <a:srgbClr val="00B0F0"/>
+                </a:solidFill>
+              </a:rPr>
+              <a:t>Personal Data</a:t>
+            </a:r>
+            <a:endParaRPr lang="uk-UA" dirty="0">
+              <a:solidFill>
+                <a:srgbClr val="00B0F0"/>
+              </a:solidFill>
+            </a:endParaRPr>
+          </a:p>
+        </p:txBody>
+      </p:sp>
+      <p:pic>
+        <p:nvPicPr>
+          <p:cNvPr id="4" name="Symbol zastępczy zawartości 3"/>
+          <p:cNvPicPr>
+            <a:picLocks noGrp="1" noChangeAspect="1"/>
+          </p:cNvPicPr>
+          <p:nvPr>
+            <p:ph idx="1"/>
+          </p:nvPr>
+        </p:nvPicPr>
+        <p:blipFill>
+          <a:blip r:embed="rId2">
+            <a:extLst>
+              <a:ext uri="{28A0092B-C50C-407E-A947-70E740481C1C}">
+                <a14:useLocalDpi xmlns:a14="http://schemas.microsoft.com/office/drawing/2010/main" val="0"/>
+              </a:ext>
+            </a:extLst>
+          </a:blip>
+          <a:stretch>
+            <a:fillRect/>
+          </a:stretch>
+        </p:blipFill>
+        <p:spPr>
+          <a:xfrm>
+            <a:off x="2771800" y="1340768"/>
+            <a:ext cx="3404204" cy="5040560"/>
+          </a:xfrm>
+        </p:spPr>
+      </p:pic>
+    </p:spTree>
+    <p:extLst>
+      <p:ext uri="{BB962C8B-B14F-4D97-AF65-F5344CB8AC3E}">
+        <p14:creationId xmlns:p14="http://schemas.microsoft.com/office/powerpoint/2010/main" val="1705389874"/>
+      </p:ext>
+    </p:extLst>
+  </p:cSld>
+  <p:clrMapOvr>
+    <a:masterClrMapping/>
+  </p:clrMapOvr>
+  <mc:AlternateContent xmlns:mc="http://schemas.openxmlformats.org/markup-compatibility/2006">
+    <mc:Choice xmlns:p14="http://schemas.microsoft.com/office/powerpoint/2010/main" Requires="p14">
+      <p:transition spd="slow" p14:dur="1600">
+        <p14:prism isContent="1" isInverted="1"/>
+      </p:transition>
+    </mc:Choice>
+    <mc:Fallback>
+      <p:transition spd="slow">
+        <p:fade/>
+      </p:transition>
+    </mc:Fallback>
+  </mc:AlternateContent>
+  <p:timing>
+    <p:tnLst>
+      <p:par>
+        <p:cTn id="1" dur="indefinite" restart="never" nodeType="tmRoot"/>
+      </p:par>
+    </p:tnLst>
+  </p:timing>
+</p:sld>
+</file>
+
+<file path=ppt/slides/slide12.xml><?xml version="1.0" encoding="utf-8"?>
+<p:sld xmlns:a="http://schemas.openxmlformats.org/drawingml/2006/main" xmlns:r="http://schemas.openxmlformats.org/officeDocument/2006/relationships" xmlns:p="http://schemas.openxmlformats.org/presentationml/2006/main">
+  <p:cSld>
+    <p:spTree>
+      <p:nvGrpSpPr>
+        <p:cNvPr id="1" name=""/>
+        <p:cNvGrpSpPr/>
+        <p:nvPr/>
+      </p:nvGrpSpPr>
+      <p:grpSpPr>
+        <a:xfrm>
+          <a:off x="0" y="0"/>
+          <a:ext cx="0" cy="0"/>
+          <a:chOff x="0" y="0"/>
+          <a:chExt cx="0" cy="0"/>
+        </a:xfrm>
+      </p:grpSpPr>
+      <p:sp>
+        <p:nvSpPr>
+          <p:cNvPr id="2" name="Tytuł 1"/>
+          <p:cNvSpPr>
+            <a:spLocks noGrp="1"/>
+          </p:cNvSpPr>
+          <p:nvPr>
+            <p:ph type="title"/>
+          </p:nvPr>
+        </p:nvSpPr>
+        <p:spPr>
+          <a:xfrm>
+            <a:off x="2123728" y="692696"/>
+            <a:ext cx="5544616" cy="648072"/>
+          </a:xfrm>
+        </p:spPr>
+        <p:txBody>
+          <a:bodyPr>
+            <a:noAutofit/>
+          </a:bodyPr>
+          <a:lstStyle/>
+          <a:p>
+            <a:r>
+              <a:rPr lang="pl-PL" dirty="0" smtClean="0">
+                <a:solidFill>
+                  <a:srgbClr val="00B0F0"/>
+                </a:solidFill>
+              </a:rPr>
+              <a:t>Lista samochodów</a:t>
+            </a:r>
+            <a:endParaRPr lang="uk-UA" dirty="0">
+              <a:solidFill>
+                <a:srgbClr val="00B0F0"/>
+              </a:solidFill>
+            </a:endParaRPr>
+          </a:p>
+        </p:txBody>
+      </p:sp>
+      <p:pic>
+        <p:nvPicPr>
+          <p:cNvPr id="4" name="Symbol zastępczy zawartości 3"/>
+          <p:cNvPicPr>
+            <a:picLocks noGrp="1" noChangeAspect="1"/>
+          </p:cNvPicPr>
+          <p:nvPr>
+            <p:ph idx="1"/>
+          </p:nvPr>
+        </p:nvPicPr>
+        <p:blipFill>
+          <a:blip r:embed="rId2">
+            <a:extLst>
+              <a:ext uri="{28A0092B-C50C-407E-A947-70E740481C1C}">
+                <a14:useLocalDpi xmlns:a14="http://schemas.microsoft.com/office/drawing/2010/main" val="0"/>
+              </a:ext>
+            </a:extLst>
+          </a:blip>
+          <a:stretch>
+            <a:fillRect/>
+          </a:stretch>
+        </p:blipFill>
+        <p:spPr>
+          <a:xfrm>
+            <a:off x="2699792" y="1340768"/>
+            <a:ext cx="3384376" cy="5087574"/>
+          </a:xfrm>
+        </p:spPr>
+      </p:pic>
+    </p:spTree>
+    <p:extLst>
+      <p:ext uri="{BB962C8B-B14F-4D97-AF65-F5344CB8AC3E}">
+        <p14:creationId xmlns:p14="http://schemas.microsoft.com/office/powerpoint/2010/main" val="3811594322"/>
+      </p:ext>
+    </p:extLst>
+  </p:cSld>
+  <p:clrMapOvr>
+    <a:masterClrMapping/>
+  </p:clrMapOvr>
+  <mc:AlternateContent xmlns:mc="http://schemas.openxmlformats.org/markup-compatibility/2006">
+    <mc:Choice xmlns:p14="http://schemas.microsoft.com/office/powerpoint/2010/main" Requires="p14">
+      <p:transition spd="slow" p14:dur="1600">
+        <p14:prism isContent="1" isInverted="1"/>
+      </p:transition>
+    </mc:Choice>
+    <mc:Fallback>
+      <p:transition spd="slow">
+        <p:fade/>
+      </p:transition>
+    </mc:Fallback>
+  </mc:AlternateContent>
+  <p:timing>
+    <p:tnLst>
+      <p:par>
+        <p:cTn id="1" dur="indefinite" restart="never" nodeType="tmRoot"/>
+      </p:par>
+    </p:tnLst>
+  </p:timing>
+</p:sld>
+</file>
+
+<file path=ppt/slides/slide13.xml><?xml version="1.0" encoding="utf-8"?>
+<p:sld xmlns:a="http://schemas.openxmlformats.org/drawingml/2006/main" xmlns:r="http://schemas.openxmlformats.org/officeDocument/2006/relationships" xmlns:p="http://schemas.openxmlformats.org/presentationml/2006/main">
+  <p:cSld>
+    <p:spTree>
+      <p:nvGrpSpPr>
+        <p:cNvPr id="1" name=""/>
+        <p:cNvGrpSpPr/>
+        <p:nvPr/>
+      </p:nvGrpSpPr>
+      <p:grpSpPr>
+        <a:xfrm>
+          <a:off x="0" y="0"/>
+          <a:ext cx="0" cy="0"/>
+          <a:chOff x="0" y="0"/>
+          <a:chExt cx="0" cy="0"/>
+        </a:xfrm>
+      </p:grpSpPr>
+      <p:sp>
+        <p:nvSpPr>
+          <p:cNvPr id="2" name="Tytuł 1"/>
+          <p:cNvSpPr>
+            <a:spLocks noGrp="1"/>
+          </p:cNvSpPr>
+          <p:nvPr>
+            <p:ph type="title"/>
+          </p:nvPr>
+        </p:nvSpPr>
+        <p:spPr>
+          <a:xfrm>
+            <a:off x="1115616" y="908720"/>
+            <a:ext cx="7272808" cy="529128"/>
+          </a:xfrm>
+        </p:spPr>
+        <p:txBody>
+          <a:bodyPr>
+            <a:noAutofit/>
+          </a:bodyPr>
+          <a:lstStyle/>
+          <a:p>
+            <a:r>
+              <a:rPr lang="pl-PL" dirty="0" smtClean="0">
+                <a:solidFill>
+                  <a:srgbClr val="00B0F0"/>
+                </a:solidFill>
+              </a:rPr>
+              <a:t>Update/</a:t>
+            </a:r>
+            <a:r>
+              <a:rPr lang="pl-PL" dirty="0" err="1">
+                <a:solidFill>
+                  <a:srgbClr val="00B0F0"/>
+                </a:solidFill>
+              </a:rPr>
+              <a:t>D</a:t>
+            </a:r>
+            <a:r>
+              <a:rPr lang="pl-PL" dirty="0" err="1" smtClean="0">
+                <a:solidFill>
+                  <a:srgbClr val="00B0F0"/>
+                </a:solidFill>
+              </a:rPr>
+              <a:t>elete</a:t>
+            </a:r>
+            <a:r>
+              <a:rPr lang="pl-PL" dirty="0" smtClean="0">
+                <a:solidFill>
+                  <a:srgbClr val="00B0F0"/>
+                </a:solidFill>
+              </a:rPr>
+              <a:t> samochód</a:t>
+            </a:r>
+            <a:endParaRPr lang="uk-UA" dirty="0">
+              <a:solidFill>
+                <a:srgbClr val="00B0F0"/>
+              </a:solidFill>
+            </a:endParaRPr>
+          </a:p>
+        </p:txBody>
+      </p:sp>
+      <p:pic>
+        <p:nvPicPr>
+          <p:cNvPr id="4" name="Symbol zastępczy zawartości 3"/>
+          <p:cNvPicPr>
+            <a:picLocks noGrp="1" noChangeAspect="1"/>
+          </p:cNvPicPr>
+          <p:nvPr>
+            <p:ph idx="1"/>
+          </p:nvPr>
+        </p:nvPicPr>
+        <p:blipFill>
+          <a:blip r:embed="rId2">
+            <a:extLst>
+              <a:ext uri="{28A0092B-C50C-407E-A947-70E740481C1C}">
+                <a14:useLocalDpi xmlns:a14="http://schemas.microsoft.com/office/drawing/2010/main" val="0"/>
+              </a:ext>
+            </a:extLst>
+          </a:blip>
+          <a:stretch>
+            <a:fillRect/>
+          </a:stretch>
+        </p:blipFill>
+        <p:spPr>
+          <a:xfrm>
+            <a:off x="2987824" y="1484784"/>
+            <a:ext cx="3297344" cy="4824536"/>
+          </a:xfrm>
+        </p:spPr>
+      </p:pic>
+    </p:spTree>
+    <p:extLst>
+      <p:ext uri="{BB962C8B-B14F-4D97-AF65-F5344CB8AC3E}">
+        <p14:creationId xmlns:p14="http://schemas.microsoft.com/office/powerpoint/2010/main" val="193979014"/>
+      </p:ext>
+    </p:extLst>
+  </p:cSld>
+  <p:clrMapOvr>
+    <a:masterClrMapping/>
+  </p:clrMapOvr>
+  <mc:AlternateContent xmlns:mc="http://schemas.openxmlformats.org/markup-compatibility/2006">
+    <mc:Choice xmlns:p14="http://schemas.microsoft.com/office/powerpoint/2010/main" Requires="p14">
+      <p:transition spd="slow" p14:dur="1600">
+        <p14:prism isContent="1" isInverted="1"/>
+      </p:transition>
+    </mc:Choice>
+    <mc:Fallback>
+      <p:transition spd="slow">
+        <p:fade/>
+      </p:transition>
+    </mc:Fallback>
+  </mc:AlternateContent>
+  <p:timing>
+    <p:tnLst>
+      <p:par>
+        <p:cTn id="1" dur="indefinite" restart="never" nodeType="tmRoot"/>
+      </p:par>
+    </p:tnLst>
+  </p:timing>
+</p:sld>
+</file>
+
+<file path=ppt/slides/slide14.xml><?xml version="1.0" encoding="utf-8"?>
+<p:sld xmlns:a="http://schemas.openxmlformats.org/drawingml/2006/main" xmlns:r="http://schemas.openxmlformats.org/officeDocument/2006/relationships" xmlns:p="http://schemas.openxmlformats.org/presentationml/2006/main">
+  <p:cSld>
+    <p:spTree>
+      <p:nvGrpSpPr>
+        <p:cNvPr id="1" name=""/>
+        <p:cNvGrpSpPr/>
+        <p:nvPr/>
+      </p:nvGrpSpPr>
+      <p:grpSpPr>
+        <a:xfrm>
+          <a:off x="0" y="0"/>
+          <a:ext cx="0" cy="0"/>
+          <a:chOff x="0" y="0"/>
+          <a:chExt cx="0" cy="0"/>
+        </a:xfrm>
+      </p:grpSpPr>
+      <p:sp>
+        <p:nvSpPr>
+          <p:cNvPr id="2" name="Tytuł 1"/>
+          <p:cNvSpPr>
+            <a:spLocks noGrp="1"/>
+          </p:cNvSpPr>
+          <p:nvPr>
+            <p:ph type="title"/>
+          </p:nvPr>
+        </p:nvSpPr>
+        <p:spPr>
+          <a:xfrm>
+            <a:off x="2987824" y="692696"/>
+            <a:ext cx="4104456" cy="673144"/>
+          </a:xfrm>
+        </p:spPr>
+        <p:txBody>
+          <a:bodyPr>
+            <a:noAutofit/>
+          </a:bodyPr>
+          <a:lstStyle/>
+          <a:p>
+            <a:r>
+              <a:rPr lang="en-US" dirty="0" smtClean="0">
+                <a:solidFill>
+                  <a:srgbClr val="00B0F0"/>
+                </a:solidFill>
+              </a:rPr>
+              <a:t>Conversation</a:t>
+            </a:r>
+            <a:endParaRPr lang="uk-UA" dirty="0">
+              <a:solidFill>
+                <a:srgbClr val="00B0F0"/>
+              </a:solidFill>
+            </a:endParaRPr>
+          </a:p>
+        </p:txBody>
+      </p:sp>
+      <p:pic>
+        <p:nvPicPr>
+          <p:cNvPr id="4" name="Symbol zastępczy zawartości 3"/>
+          <p:cNvPicPr>
+            <a:picLocks noGrp="1" noChangeAspect="1"/>
+          </p:cNvPicPr>
+          <p:nvPr>
+            <p:ph idx="1"/>
+          </p:nvPr>
+        </p:nvPicPr>
+        <p:blipFill>
+          <a:blip r:embed="rId2">
+            <a:extLst>
+              <a:ext uri="{28A0092B-C50C-407E-A947-70E740481C1C}">
+                <a14:useLocalDpi xmlns:a14="http://schemas.microsoft.com/office/drawing/2010/main" val="0"/>
+              </a:ext>
+            </a:extLst>
+          </a:blip>
+          <a:stretch>
+            <a:fillRect/>
+          </a:stretch>
+        </p:blipFill>
+        <p:spPr>
+          <a:xfrm>
+            <a:off x="3059832" y="1556792"/>
+            <a:ext cx="3172427" cy="4680520"/>
+          </a:xfrm>
+        </p:spPr>
+      </p:pic>
+    </p:spTree>
+    <p:extLst>
+      <p:ext uri="{BB962C8B-B14F-4D97-AF65-F5344CB8AC3E}">
+        <p14:creationId xmlns:p14="http://schemas.microsoft.com/office/powerpoint/2010/main" val="3884914566"/>
+      </p:ext>
+    </p:extLst>
+  </p:cSld>
+  <p:clrMapOvr>
+    <a:masterClrMapping/>
+  </p:clrMapOvr>
+  <mc:AlternateContent xmlns:mc="http://schemas.openxmlformats.org/markup-compatibility/2006">
+    <mc:Choice xmlns:p14="http://schemas.microsoft.com/office/powerpoint/2010/main" Requires="p14">
+      <p:transition spd="slow" p14:dur="1600">
+        <p14:prism isContent="1" isInverted="1"/>
+      </p:transition>
+    </mc:Choice>
+    <mc:Fallback>
+      <p:transition spd="slow">
+        <p:fade/>
+      </p:transition>
+    </mc:Fallback>
+  </mc:AlternateContent>
   <p:timing>
     <p:tnLst>
       <p:par>
@@ -14047,20 +14845,6 @@
 <file path=ppt/slides/slide2.xml><?xml version="1.0" encoding="utf-8"?>
 <p:sld xmlns:a="http://schemas.openxmlformats.org/drawingml/2006/main" xmlns:r="http://schemas.openxmlformats.org/officeDocument/2006/relationships" xmlns:p="http://schemas.openxmlformats.org/presentationml/2006/main">
   <p:cSld>
-    <p:bg>
-      <p:bgPr>
-        <a:blipFill dpi="0" rotWithShape="1">
-          <a:blip r:embed="rId2">
-            <a:lum/>
-          </a:blip>
-          <a:srcRect/>
-          <a:stretch>
-            <a:fillRect l="-17000" r="-17000"/>
-          </a:stretch>
-        </a:blipFill>
-        <a:effectLst/>
-      </p:bgPr>
-    </p:bg>
     <p:spTree>
       <p:nvGrpSpPr>
         <p:cNvPr id="1" name=""/>
@@ -14115,7 +14899,7 @@
           </p:nvPr>
         </p:nvPicPr>
         <p:blipFill>
-          <a:blip r:embed="rId3">
+          <a:blip r:embed="rId2">
             <a:extLst>
               <a:ext uri="{28A0092B-C50C-407E-A947-70E740481C1C}">
                 <a14:useLocalDpi xmlns:a14="http://schemas.microsoft.com/office/drawing/2010/main" val="0"/>
@@ -14143,26 +14927,31 @@
   <p:clrMapOvr>
     <a:masterClrMapping/>
   </p:clrMapOvr>
+  <mc:AlternateContent xmlns:mc="http://schemas.openxmlformats.org/markup-compatibility/2006">
+    <mc:Choice xmlns:p14="http://schemas.microsoft.com/office/powerpoint/2010/main" Requires="p14">
+      <p:transition spd="slow" p14:dur="1600">
+        <p14:prism isContent="1" isInverted="1"/>
+      </p:transition>
+    </mc:Choice>
+    <mc:Fallback>
+      <p:transition spd="slow">
+        <p:fade/>
+      </p:transition>
+    </mc:Fallback>
+  </mc:AlternateContent>
+  <p:timing>
+    <p:tnLst>
+      <p:par>
+        <p:cTn id="1" dur="indefinite" restart="never" nodeType="tmRoot"/>
+      </p:par>
+    </p:tnLst>
+  </p:timing>
 </p:sld>
 </file>
 
 <file path=ppt/slides/slide3.xml><?xml version="1.0" encoding="utf-8"?>
 <p:sld xmlns:a="http://schemas.openxmlformats.org/drawingml/2006/main" xmlns:r="http://schemas.openxmlformats.org/officeDocument/2006/relationships" xmlns:p="http://schemas.openxmlformats.org/presentationml/2006/main">
   <p:cSld>
-    <p:bg>
-      <p:bgPr>
-        <a:blipFill dpi="0" rotWithShape="1">
-          <a:blip r:embed="rId2">
-            <a:lum/>
-          </a:blip>
-          <a:srcRect/>
-          <a:stretch>
-            <a:fillRect l="-17000" r="-17000"/>
-          </a:stretch>
-        </a:blipFill>
-        <a:effectLst/>
-      </p:bgPr>
-    </p:bg>
     <p:spTree>
       <p:nvGrpSpPr>
         <p:cNvPr id="1" name=""/>
@@ -14217,7 +15006,7 @@
           </p:nvPr>
         </p:nvPicPr>
         <p:blipFill>
-          <a:blip r:embed="rId3">
+          <a:blip r:embed="rId2">
             <a:extLst>
               <a:ext uri="{28A0092B-C50C-407E-A947-70E740481C1C}">
                 <a14:useLocalDpi xmlns:a14="http://schemas.microsoft.com/office/drawing/2010/main" val="0"/>
@@ -14245,26 +15034,31 @@
   <p:clrMapOvr>
     <a:masterClrMapping/>
   </p:clrMapOvr>
+  <mc:AlternateContent xmlns:mc="http://schemas.openxmlformats.org/markup-compatibility/2006">
+    <mc:Choice xmlns:p14="http://schemas.microsoft.com/office/powerpoint/2010/main" Requires="p14">
+      <p:transition spd="slow" p14:dur="1600">
+        <p14:prism isContent="1" isInverted="1"/>
+      </p:transition>
+    </mc:Choice>
+    <mc:Fallback>
+      <p:transition spd="slow">
+        <p:fade/>
+      </p:transition>
+    </mc:Fallback>
+  </mc:AlternateContent>
+  <p:timing>
+    <p:tnLst>
+      <p:par>
+        <p:cTn id="1" dur="indefinite" restart="never" nodeType="tmRoot"/>
+      </p:par>
+    </p:tnLst>
+  </p:timing>
 </p:sld>
 </file>
 
 <file path=ppt/slides/slide4.xml><?xml version="1.0" encoding="utf-8"?>
 <p:sld xmlns:a="http://schemas.openxmlformats.org/drawingml/2006/main" xmlns:r="http://schemas.openxmlformats.org/officeDocument/2006/relationships" xmlns:p="http://schemas.openxmlformats.org/presentationml/2006/main">
   <p:cSld>
-    <p:bg>
-      <p:bgPr>
-        <a:blipFill dpi="0" rotWithShape="1">
-          <a:blip r:embed="rId2">
-            <a:lum/>
-          </a:blip>
-          <a:srcRect/>
-          <a:stretch>
-            <a:fillRect l="-17000" r="-17000"/>
-          </a:stretch>
-        </a:blipFill>
-        <a:effectLst/>
-      </p:bgPr>
-    </p:bg>
     <p:spTree>
       <p:nvGrpSpPr>
         <p:cNvPr id="1" name=""/>
@@ -14319,7 +15113,7 @@
           </p:nvPr>
         </p:nvPicPr>
         <p:blipFill>
-          <a:blip r:embed="rId3" cstate="print">
+          <a:blip r:embed="rId2" cstate="print">
             <a:extLst>
               <a:ext uri="{28A0092B-C50C-407E-A947-70E740481C1C}">
                 <a14:useLocalDpi xmlns:a14="http://schemas.microsoft.com/office/drawing/2010/main" val="0"/>
@@ -14347,26 +15141,31 @@
   <p:clrMapOvr>
     <a:masterClrMapping/>
   </p:clrMapOvr>
+  <mc:AlternateContent xmlns:mc="http://schemas.openxmlformats.org/markup-compatibility/2006">
+    <mc:Choice xmlns:p14="http://schemas.microsoft.com/office/powerpoint/2010/main" Requires="p14">
+      <p:transition spd="slow" p14:dur="1600">
+        <p14:prism isContent="1" isInverted="1"/>
+      </p:transition>
+    </mc:Choice>
+    <mc:Fallback>
+      <p:transition spd="slow">
+        <p:fade/>
+      </p:transition>
+    </mc:Fallback>
+  </mc:AlternateContent>
+  <p:timing>
+    <p:tnLst>
+      <p:par>
+        <p:cTn id="1" dur="indefinite" restart="never" nodeType="tmRoot"/>
+      </p:par>
+    </p:tnLst>
+  </p:timing>
 </p:sld>
 </file>
 
 <file path=ppt/slides/slide5.xml><?xml version="1.0" encoding="utf-8"?>
 <p:sld xmlns:a="http://schemas.openxmlformats.org/drawingml/2006/main" xmlns:r="http://schemas.openxmlformats.org/officeDocument/2006/relationships" xmlns:p="http://schemas.openxmlformats.org/presentationml/2006/main">
   <p:cSld>
-    <p:bg>
-      <p:bgPr>
-        <a:blipFill dpi="0" rotWithShape="1">
-          <a:blip r:embed="rId2">
-            <a:lum/>
-          </a:blip>
-          <a:srcRect/>
-          <a:stretch>
-            <a:fillRect l="-17000" r="-17000"/>
-          </a:stretch>
-        </a:blipFill>
-        <a:effectLst/>
-      </p:bgPr>
-    </p:bg>
     <p:spTree>
       <p:nvGrpSpPr>
         <p:cNvPr id="1" name=""/>
@@ -14420,7 +15219,7 @@
           <p:nvPr/>
         </p:nvPicPr>
         <p:blipFill rotWithShape="1">
-          <a:blip r:embed="rId3">
+          <a:blip r:embed="rId2">
             <a:extLst>
               <a:ext uri="{28A0092B-C50C-407E-A947-70E740481C1C}">
                 <a14:useLocalDpi xmlns:a14="http://schemas.microsoft.com/office/drawing/2010/main" val="0"/>
@@ -14451,7 +15250,7 @@
           </p:nvPr>
         </p:nvPicPr>
         <p:blipFill>
-          <a:blip r:embed="rId4">
+          <a:blip r:embed="rId3">
             <a:extLst>
               <a:ext uri="{28A0092B-C50C-407E-A947-70E740481C1C}">
                 <a14:useLocalDpi xmlns:a14="http://schemas.microsoft.com/office/drawing/2010/main" val="0"/>
@@ -14478,7 +15277,7 @@
           <p:nvPr/>
         </p:nvPicPr>
         <p:blipFill rotWithShape="1">
-          <a:blip r:embed="rId5">
+          <a:blip r:embed="rId4">
             <a:extLst>
               <a:ext uri="{28A0092B-C50C-407E-A947-70E740481C1C}">
                 <a14:useLocalDpi xmlns:a14="http://schemas.microsoft.com/office/drawing/2010/main" val="0"/>
@@ -14531,26 +15330,31 @@
   <p:clrMapOvr>
     <a:masterClrMapping/>
   </p:clrMapOvr>
+  <mc:AlternateContent xmlns:mc="http://schemas.openxmlformats.org/markup-compatibility/2006">
+    <mc:Choice xmlns:p14="http://schemas.microsoft.com/office/powerpoint/2010/main" Requires="p14">
+      <p:transition spd="slow" p14:dur="1600">
+        <p14:prism isContent="1" isInverted="1"/>
+      </p:transition>
+    </mc:Choice>
+    <mc:Fallback>
+      <p:transition spd="slow">
+        <p:fade/>
+      </p:transition>
+    </mc:Fallback>
+  </mc:AlternateContent>
+  <p:timing>
+    <p:tnLst>
+      <p:par>
+        <p:cTn id="1" dur="indefinite" restart="never" nodeType="tmRoot"/>
+      </p:par>
+    </p:tnLst>
+  </p:timing>
 </p:sld>
 </file>
 
 <file path=ppt/slides/slide6.xml><?xml version="1.0" encoding="utf-8"?>
 <p:sld xmlns:a="http://schemas.openxmlformats.org/drawingml/2006/main" xmlns:r="http://schemas.openxmlformats.org/officeDocument/2006/relationships" xmlns:p="http://schemas.openxmlformats.org/presentationml/2006/main">
   <p:cSld>
-    <p:bg>
-      <p:bgPr>
-        <a:blipFill dpi="0" rotWithShape="1">
-          <a:blip r:embed="rId2">
-            <a:lum/>
-          </a:blip>
-          <a:srcRect/>
-          <a:stretch>
-            <a:fillRect l="-17000" r="-17000"/>
-          </a:stretch>
-        </a:blipFill>
-        <a:effectLst/>
-      </p:bgPr>
-    </p:bg>
     <p:spTree>
       <p:nvGrpSpPr>
         <p:cNvPr id="1" name=""/>
@@ -14605,7 +15409,7 @@
           </p:nvPr>
         </p:nvPicPr>
         <p:blipFill>
-          <a:blip r:embed="rId3">
+          <a:blip r:embed="rId2">
             <a:extLst>
               <a:ext uri="{28A0092B-C50C-407E-A947-70E740481C1C}">
                 <a14:useLocalDpi xmlns:a14="http://schemas.microsoft.com/office/drawing/2010/main" val="0"/>
@@ -14633,6 +15437,410 @@
   <p:clrMapOvr>
     <a:masterClrMapping/>
   </p:clrMapOvr>
+  <mc:AlternateContent xmlns:mc="http://schemas.openxmlformats.org/markup-compatibility/2006">
+    <mc:Choice xmlns:p14="http://schemas.microsoft.com/office/powerpoint/2010/main" Requires="p14">
+      <p:transition spd="slow" p14:dur="1600">
+        <p14:prism isContent="1" isInverted="1"/>
+      </p:transition>
+    </mc:Choice>
+    <mc:Fallback>
+      <p:transition spd="slow">
+        <p:fade/>
+      </p:transition>
+    </mc:Fallback>
+  </mc:AlternateContent>
+  <p:timing>
+    <p:tnLst>
+      <p:par>
+        <p:cTn id="1" dur="indefinite" restart="never" nodeType="tmRoot"/>
+      </p:par>
+    </p:tnLst>
+  </p:timing>
+</p:sld>
+</file>
+
+<file path=ppt/slides/slide7.xml><?xml version="1.0" encoding="utf-8"?>
+<p:sld xmlns:a="http://schemas.openxmlformats.org/drawingml/2006/main" xmlns:r="http://schemas.openxmlformats.org/officeDocument/2006/relationships" xmlns:p="http://schemas.openxmlformats.org/presentationml/2006/main">
+  <p:cSld>
+    <p:spTree>
+      <p:nvGrpSpPr>
+        <p:cNvPr id="1" name=""/>
+        <p:cNvGrpSpPr/>
+        <p:nvPr/>
+      </p:nvGrpSpPr>
+      <p:grpSpPr>
+        <a:xfrm>
+          <a:off x="0" y="0"/>
+          <a:ext cx="0" cy="0"/>
+          <a:chOff x="0" y="0"/>
+          <a:chExt cx="0" cy="0"/>
+        </a:xfrm>
+      </p:grpSpPr>
+      <p:pic>
+        <p:nvPicPr>
+          <p:cNvPr id="4" name="Symbol zastępczy zawartości 3"/>
+          <p:cNvPicPr>
+            <a:picLocks noGrp="1" noChangeAspect="1"/>
+          </p:cNvPicPr>
+          <p:nvPr>
+            <p:ph idx="1"/>
+          </p:nvPr>
+        </p:nvPicPr>
+        <p:blipFill rotWithShape="1">
+          <a:blip r:embed="rId2">
+            <a:extLst>
+              <a:ext uri="{28A0092B-C50C-407E-A947-70E740481C1C}">
+                <a14:useLocalDpi xmlns:a14="http://schemas.microsoft.com/office/drawing/2010/main" val="0"/>
+              </a:ext>
+            </a:extLst>
+          </a:blip>
+          <a:srcRect l="-1" r="1878" b="1221"/>
+          <a:stretch/>
+        </p:blipFill>
+        <p:spPr>
+          <a:xfrm>
+            <a:off x="2787351" y="1340768"/>
+            <a:ext cx="3470842" cy="5077048"/>
+          </a:xfrm>
+        </p:spPr>
+      </p:pic>
+      <p:sp>
+        <p:nvSpPr>
+          <p:cNvPr id="8" name="Prostokąt 7"/>
+          <p:cNvSpPr/>
+          <p:nvPr/>
+        </p:nvSpPr>
+        <p:spPr>
+          <a:xfrm>
+            <a:off x="2195736" y="644476"/>
+            <a:ext cx="4536504" cy="707886"/>
+          </a:xfrm>
+          <a:prstGeom prst="rect">
+            <a:avLst/>
+          </a:prstGeom>
+        </p:spPr>
+        <p:txBody>
+          <a:bodyPr wrap="square">
+            <a:spAutoFit/>
+          </a:bodyPr>
+          <a:lstStyle/>
+          <a:p>
+            <a:r>
+              <a:rPr lang="en-US" sz="4000" dirty="0" err="1" smtClean="0">
+                <a:solidFill>
+                  <a:srgbClr val="00B0F0"/>
+                </a:solidFill>
+              </a:rPr>
+              <a:t>Strona</a:t>
+            </a:r>
+            <a:r>
+              <a:rPr lang="en-US" sz="4000" dirty="0" smtClean="0">
+                <a:solidFill>
+                  <a:srgbClr val="00B0F0"/>
+                </a:solidFill>
+              </a:rPr>
+              <a:t> </a:t>
+            </a:r>
+            <a:r>
+              <a:rPr lang="en-US" sz="4000" dirty="0" err="1" smtClean="0">
+                <a:solidFill>
+                  <a:srgbClr val="00B0F0"/>
+                </a:solidFill>
+              </a:rPr>
+              <a:t>logowania</a:t>
+            </a:r>
+            <a:endParaRPr lang="uk-UA" sz="4000" dirty="0">
+              <a:solidFill>
+                <a:srgbClr val="00B0F0"/>
+              </a:solidFill>
+            </a:endParaRPr>
+          </a:p>
+        </p:txBody>
+      </p:sp>
+    </p:spTree>
+    <p:extLst>
+      <p:ext uri="{BB962C8B-B14F-4D97-AF65-F5344CB8AC3E}">
+        <p14:creationId xmlns:p14="http://schemas.microsoft.com/office/powerpoint/2010/main" val="1301991960"/>
+      </p:ext>
+    </p:extLst>
+  </p:cSld>
+  <p:clrMapOvr>
+    <a:masterClrMapping/>
+  </p:clrMapOvr>
+  <mc:AlternateContent xmlns:mc="http://schemas.openxmlformats.org/markup-compatibility/2006">
+    <mc:Choice xmlns:p14="http://schemas.microsoft.com/office/powerpoint/2010/main" Requires="p14">
+      <p:transition spd="slow" p14:dur="1600">
+        <p14:prism isContent="1" isInverted="1"/>
+      </p:transition>
+    </mc:Choice>
+    <mc:Fallback>
+      <p:transition spd="slow">
+        <p:fade/>
+      </p:transition>
+    </mc:Fallback>
+  </mc:AlternateContent>
+  <p:timing>
+    <p:tnLst>
+      <p:par>
+        <p:cTn id="1" dur="indefinite" restart="never" nodeType="tmRoot"/>
+      </p:par>
+    </p:tnLst>
+  </p:timing>
+</p:sld>
+</file>
+
+<file path=ppt/slides/slide8.xml><?xml version="1.0" encoding="utf-8"?>
+<p:sld xmlns:a="http://schemas.openxmlformats.org/drawingml/2006/main" xmlns:r="http://schemas.openxmlformats.org/officeDocument/2006/relationships" xmlns:p="http://schemas.openxmlformats.org/presentationml/2006/main">
+  <p:cSld>
+    <p:spTree>
+      <p:nvGrpSpPr>
+        <p:cNvPr id="1" name=""/>
+        <p:cNvGrpSpPr/>
+        <p:nvPr/>
+      </p:nvGrpSpPr>
+      <p:grpSpPr>
+        <a:xfrm>
+          <a:off x="0" y="0"/>
+          <a:ext cx="0" cy="0"/>
+          <a:chOff x="0" y="0"/>
+          <a:chExt cx="0" cy="0"/>
+        </a:xfrm>
+      </p:grpSpPr>
+      <p:sp>
+        <p:nvSpPr>
+          <p:cNvPr id="2" name="Tytuł 1"/>
+          <p:cNvSpPr>
+            <a:spLocks noGrp="1"/>
+          </p:cNvSpPr>
+          <p:nvPr>
+            <p:ph type="title"/>
+          </p:nvPr>
+        </p:nvSpPr>
+        <p:spPr>
+          <a:xfrm>
+            <a:off x="2771800" y="764704"/>
+            <a:ext cx="3672408" cy="576064"/>
+          </a:xfrm>
+        </p:spPr>
+        <p:txBody>
+          <a:bodyPr>
+            <a:noAutofit/>
+          </a:bodyPr>
+          <a:lstStyle/>
+          <a:p>
+            <a:r>
+              <a:rPr lang="en-US" dirty="0" err="1" smtClean="0">
+                <a:solidFill>
+                  <a:srgbClr val="00B0F0"/>
+                </a:solidFill>
+              </a:rPr>
+              <a:t>Lista</a:t>
+            </a:r>
+            <a:r>
+              <a:rPr lang="en-US" dirty="0" smtClean="0">
+                <a:solidFill>
+                  <a:srgbClr val="00B0F0"/>
+                </a:solidFill>
+              </a:rPr>
+              <a:t> </a:t>
+            </a:r>
+            <a:r>
+              <a:rPr lang="en-US" dirty="0" err="1" smtClean="0">
+                <a:solidFill>
+                  <a:srgbClr val="00B0F0"/>
+                </a:solidFill>
+              </a:rPr>
+              <a:t>serwis</a:t>
+            </a:r>
+            <a:r>
+              <a:rPr lang="pl-PL" dirty="0" smtClean="0">
+                <a:solidFill>
+                  <a:srgbClr val="00B0F0"/>
+                </a:solidFill>
+              </a:rPr>
+              <a:t>ów</a:t>
+            </a:r>
+            <a:endParaRPr lang="uk-UA" dirty="0">
+              <a:solidFill>
+                <a:srgbClr val="00B0F0"/>
+              </a:solidFill>
+            </a:endParaRPr>
+          </a:p>
+        </p:txBody>
+      </p:sp>
+      <p:pic>
+        <p:nvPicPr>
+          <p:cNvPr id="6" name="Symbol zastępczy zawartości 5"/>
+          <p:cNvPicPr>
+            <a:picLocks noGrp="1" noChangeAspect="1"/>
+          </p:cNvPicPr>
+          <p:nvPr>
+            <p:ph idx="1"/>
+          </p:nvPr>
+        </p:nvPicPr>
+        <p:blipFill>
+          <a:blip r:embed="rId2">
+            <a:extLst>
+              <a:ext uri="{28A0092B-C50C-407E-A947-70E740481C1C}">
+                <a14:useLocalDpi xmlns:a14="http://schemas.microsoft.com/office/drawing/2010/main" val="0"/>
+              </a:ext>
+            </a:extLst>
+          </a:blip>
+          <a:stretch>
+            <a:fillRect/>
+          </a:stretch>
+        </p:blipFill>
+        <p:spPr>
+          <a:xfrm>
+            <a:off x="2843808" y="1340768"/>
+            <a:ext cx="3456384" cy="5037924"/>
+          </a:xfrm>
+        </p:spPr>
+      </p:pic>
+    </p:spTree>
+    <p:extLst>
+      <p:ext uri="{BB962C8B-B14F-4D97-AF65-F5344CB8AC3E}">
+        <p14:creationId xmlns:p14="http://schemas.microsoft.com/office/powerpoint/2010/main" val="3366072761"/>
+      </p:ext>
+    </p:extLst>
+  </p:cSld>
+  <p:clrMapOvr>
+    <a:masterClrMapping/>
+  </p:clrMapOvr>
+  <mc:AlternateContent xmlns:mc="http://schemas.openxmlformats.org/markup-compatibility/2006">
+    <mc:Choice xmlns:p14="http://schemas.microsoft.com/office/powerpoint/2010/main" Requires="p14">
+      <p:transition spd="slow" p14:dur="1600">
+        <p14:prism isContent="1" isInverted="1"/>
+      </p:transition>
+    </mc:Choice>
+    <mc:Fallback>
+      <p:transition spd="slow">
+        <p:fade/>
+      </p:transition>
+    </mc:Fallback>
+  </mc:AlternateContent>
+  <p:timing>
+    <p:tnLst>
+      <p:par>
+        <p:cTn id="1" dur="indefinite" restart="never" nodeType="tmRoot"/>
+      </p:par>
+    </p:tnLst>
+  </p:timing>
+</p:sld>
+</file>
+
+<file path=ppt/slides/slide9.xml><?xml version="1.0" encoding="utf-8"?>
+<p:sld xmlns:a="http://schemas.openxmlformats.org/drawingml/2006/main" xmlns:r="http://schemas.openxmlformats.org/officeDocument/2006/relationships" xmlns:p="http://schemas.openxmlformats.org/presentationml/2006/main">
+  <p:cSld>
+    <p:spTree>
+      <p:nvGrpSpPr>
+        <p:cNvPr id="1" name=""/>
+        <p:cNvGrpSpPr/>
+        <p:nvPr/>
+      </p:nvGrpSpPr>
+      <p:grpSpPr>
+        <a:xfrm>
+          <a:off x="0" y="0"/>
+          <a:ext cx="0" cy="0"/>
+          <a:chOff x="0" y="0"/>
+          <a:chExt cx="0" cy="0"/>
+        </a:xfrm>
+      </p:grpSpPr>
+      <p:sp>
+        <p:nvSpPr>
+          <p:cNvPr id="2" name="Tytuł 1"/>
+          <p:cNvSpPr>
+            <a:spLocks noGrp="1"/>
+          </p:cNvSpPr>
+          <p:nvPr>
+            <p:ph type="title"/>
+          </p:nvPr>
+        </p:nvSpPr>
+        <p:spPr>
+          <a:xfrm>
+            <a:off x="1475656" y="692696"/>
+            <a:ext cx="6624736" cy="601136"/>
+          </a:xfrm>
+        </p:spPr>
+        <p:txBody>
+          <a:bodyPr>
+            <a:noAutofit/>
+          </a:bodyPr>
+          <a:lstStyle/>
+          <a:p>
+            <a:r>
+              <a:rPr lang="pl-PL" dirty="0" smtClean="0">
+                <a:solidFill>
+                  <a:srgbClr val="00B0F0"/>
+                </a:solidFill>
+              </a:rPr>
+              <a:t>Szczegółowa informacja</a:t>
+            </a:r>
+            <a:endParaRPr lang="uk-UA" dirty="0">
+              <a:solidFill>
+                <a:srgbClr val="00B0F0"/>
+              </a:solidFill>
+            </a:endParaRPr>
+          </a:p>
+        </p:txBody>
+      </p:sp>
+      <p:pic>
+        <p:nvPicPr>
+          <p:cNvPr id="4" name="Symbol zastępczy zawartości 3"/>
+          <p:cNvPicPr>
+            <a:picLocks noGrp="1" noChangeAspect="1"/>
+          </p:cNvPicPr>
+          <p:nvPr>
+            <p:ph idx="1"/>
+          </p:nvPr>
+        </p:nvPicPr>
+        <p:blipFill rotWithShape="1">
+          <a:blip r:embed="rId2">
+            <a:extLst>
+              <a:ext uri="{28A0092B-C50C-407E-A947-70E740481C1C}">
+                <a14:useLocalDpi xmlns:a14="http://schemas.microsoft.com/office/drawing/2010/main" val="0"/>
+              </a:ext>
+            </a:extLst>
+          </a:blip>
+          <a:srcRect b="1410"/>
+          <a:stretch/>
+        </p:blipFill>
+        <p:spPr>
+          <a:xfrm>
+            <a:off x="2843808" y="1340768"/>
+            <a:ext cx="3312368" cy="4894932"/>
+          </a:xfrm>
+        </p:spPr>
+      </p:pic>
+    </p:spTree>
+    <p:extLst>
+      <p:ext uri="{BB962C8B-B14F-4D97-AF65-F5344CB8AC3E}">
+        <p14:creationId xmlns:p14="http://schemas.microsoft.com/office/powerpoint/2010/main" val="2899181746"/>
+      </p:ext>
+    </p:extLst>
+  </p:cSld>
+  <p:clrMapOvr>
+    <a:masterClrMapping/>
+  </p:clrMapOvr>
+  <mc:AlternateContent xmlns:mc="http://schemas.openxmlformats.org/markup-compatibility/2006">
+    <mc:Choice xmlns:p14="http://schemas.microsoft.com/office/powerpoint/2010/main" Requires="p14">
+      <p:transition spd="slow" p14:dur="1600">
+        <p14:prism isContent="1" isInverted="1"/>
+      </p:transition>
+    </mc:Choice>
+    <mc:Fallback>
+      <p:transition spd="slow">
+        <p:fade/>
+      </p:transition>
+    </mc:Fallback>
+  </mc:AlternateContent>
+  <p:timing>
+    <p:tnLst>
+      <p:par>
+        <p:cTn id="1" dur="indefinite" restart="never" nodeType="tmRoot"/>
+      </p:par>
+    </p:tnLst>
+  </p:timing>
 </p:sld>
 </file>
 

--- a/Car Service/doc/Prezentacja.pptx
+++ b/Car Service/doc/Prezentacja.pptx
@@ -6,16 +6,16 @@
   </p:sldMasterIdLst>
   <p:sldIdLst>
     <p:sldId id="256" r:id="rId2"/>
-    <p:sldId id="261" r:id="rId3"/>
-    <p:sldId id="259" r:id="rId4"/>
-    <p:sldId id="257" r:id="rId5"/>
+    <p:sldId id="257" r:id="rId3"/>
+    <p:sldId id="258" r:id="rId4"/>
+    <p:sldId id="259" r:id="rId5"/>
     <p:sldId id="260" r:id="rId6"/>
-    <p:sldId id="258" r:id="rId7"/>
+    <p:sldId id="261" r:id="rId7"/>
     <p:sldId id="262" r:id="rId8"/>
     <p:sldId id="263" r:id="rId9"/>
-    <p:sldId id="266" r:id="rId10"/>
-    <p:sldId id="264" r:id="rId11"/>
-    <p:sldId id="265" r:id="rId12"/>
+    <p:sldId id="264" r:id="rId10"/>
+    <p:sldId id="265" r:id="rId11"/>
+    <p:sldId id="266" r:id="rId12"/>
     <p:sldId id="267" r:id="rId13"/>
     <p:sldId id="268" r:id="rId14"/>
     <p:sldId id="269" r:id="rId15"/>
@@ -24,7 +24,7 @@
   <p:notesSz cx="6858000" cy="9144000"/>
   <p:defaultTextStyle>
     <a:defPPr>
-      <a:defRPr lang="uk-UA"/>
+      <a:defRPr lang="pl-PL"/>
     </a:defPPr>
     <a:lvl1pPr marL="0" algn="l" defTabSz="914400" rtl="0" eaLnBrk="1" latinLnBrk="0" hangingPunct="1">
       <a:defRPr sz="1800" kern="1200">
@@ -121,7 +121,7 @@
 </file>
 
 <file path=ppt/slideLayouts/slideLayout1.xml><?xml version="1.0" encoding="utf-8"?>
-<p:sldLayout xmlns:a="http://schemas.openxmlformats.org/drawingml/2006/main" xmlns:r="http://schemas.openxmlformats.org/officeDocument/2006/relationships" xmlns:p="http://schemas.openxmlformats.org/presentationml/2006/main" type="title" preserve="1">
+<p:sldLayout xmlns:a="http://schemas.openxmlformats.org/drawingml/2006/main" xmlns:r="http://schemas.openxmlformats.org/officeDocument/2006/relationships" xmlns:p="http://schemas.openxmlformats.org/presentationml/2006/main" showMasterSp="0" type="title" preserve="1">
   <p:cSld name="Slajd tytułowy">
     <p:spTree>
       <p:nvGrpSpPr>
@@ -2875,11 +2875,11 @@
             </a:lvl1pPr>
           </a:lstStyle>
           <a:p>
-            <a:fld id="{C90A66AE-81F5-474A-B74B-EE41E9320F19}" type="datetimeFigureOut">
-              <a:rPr lang="uk-UA" smtClean="0"/>
-              <a:t>27.05.2014</a:t>
+            <a:fld id="{6DFFEEC5-F28C-46C2-80AF-5E688A23C2F5}" type="datetimeFigureOut">
+              <a:rPr lang="pl-PL" smtClean="0"/>
+              <a:t>2014-05-27</a:t>
             </a:fld>
-            <a:endParaRPr lang="uk-UA"/>
+            <a:endParaRPr lang="pl-PL"/>
           </a:p>
         </p:txBody>
       </p:sp>
@@ -2959,7 +2959,7 @@
             </a:lvl1pPr>
           </a:lstStyle>
           <a:p>
-            <a:endParaRPr lang="uk-UA"/>
+            <a:endParaRPr lang="pl-PL"/>
           </a:p>
         </p:txBody>
       </p:sp>
@@ -2991,11 +2991,11 @@
             </a:lvl1pPr>
           </a:lstStyle>
           <a:p>
-            <a:fld id="{764F593F-0D5B-4CF0-BEE2-6583C73E7271}" type="slidenum">
-              <a:rPr lang="uk-UA" smtClean="0"/>
+            <a:fld id="{73EF6899-4492-4CD0-A061-8D8F2B4BE654}" type="slidenum">
+              <a:rPr lang="pl-PL" smtClean="0"/>
               <a:t>‹#›</a:t>
             </a:fld>
-            <a:endParaRPr lang="uk-UA"/>
+            <a:endParaRPr lang="pl-PL"/>
           </a:p>
         </p:txBody>
       </p:sp>
@@ -3050,18 +3050,6 @@
   <p:clrMapOvr>
     <a:masterClrMapping/>
   </p:clrMapOvr>
-  <mc:AlternateContent xmlns:mc="http://schemas.openxmlformats.org/markup-compatibility/2006">
-    <mc:Choice xmlns:p14="http://schemas.microsoft.com/office/powerpoint/2010/main" Requires="p14">
-      <p:transition spd="slow" p14:dur="1600">
-        <p14:prism isContent="1" isInverted="1"/>
-      </p:transition>
-    </mc:Choice>
-    <mc:Fallback>
-      <p:transition spd="slow">
-        <p:fade/>
-      </p:transition>
-    </mc:Fallback>
-  </mc:AlternateContent>
 </p:sldLayout>
 </file>
 
@@ -3172,11 +3160,11 @@
           <a:bodyPr/>
           <a:lstStyle/>
           <a:p>
-            <a:fld id="{C90A66AE-81F5-474A-B74B-EE41E9320F19}" type="datetimeFigureOut">
-              <a:rPr lang="uk-UA" smtClean="0"/>
-              <a:t>27.05.2014</a:t>
+            <a:fld id="{6DFFEEC5-F28C-46C2-80AF-5E688A23C2F5}" type="datetimeFigureOut">
+              <a:rPr lang="pl-PL" smtClean="0"/>
+              <a:t>2014-05-27</a:t>
             </a:fld>
-            <a:endParaRPr lang="uk-UA"/>
+            <a:endParaRPr lang="pl-PL"/>
           </a:p>
         </p:txBody>
       </p:sp>
@@ -3195,7 +3183,7 @@
           <a:bodyPr/>
           <a:lstStyle/>
           <a:p>
-            <a:endParaRPr lang="uk-UA"/>
+            <a:endParaRPr lang="pl-PL"/>
           </a:p>
         </p:txBody>
       </p:sp>
@@ -3214,11 +3202,11 @@
           <a:bodyPr/>
           <a:lstStyle/>
           <a:p>
-            <a:fld id="{764F593F-0D5B-4CF0-BEE2-6583C73E7271}" type="slidenum">
-              <a:rPr lang="uk-UA" smtClean="0"/>
+            <a:fld id="{73EF6899-4492-4CD0-A061-8D8F2B4BE654}" type="slidenum">
+              <a:rPr lang="pl-PL" smtClean="0"/>
               <a:t>‹#›</a:t>
             </a:fld>
-            <a:endParaRPr lang="uk-UA"/>
+            <a:endParaRPr lang="pl-PL"/>
           </a:p>
         </p:txBody>
       </p:sp>
@@ -3227,18 +3215,6 @@
   <p:clrMapOvr>
     <a:masterClrMapping/>
   </p:clrMapOvr>
-  <mc:AlternateContent xmlns:mc="http://schemas.openxmlformats.org/markup-compatibility/2006">
-    <mc:Choice xmlns:p14="http://schemas.microsoft.com/office/powerpoint/2010/main" Requires="p14">
-      <p:transition spd="slow" p14:dur="1600">
-        <p14:prism isContent="1" isInverted="1"/>
-      </p:transition>
-    </mc:Choice>
-    <mc:Fallback>
-      <p:transition spd="slow">
-        <p:fade/>
-      </p:transition>
-    </mc:Fallback>
-  </mc:AlternateContent>
 </p:sldLayout>
 </file>
 
@@ -3359,11 +3335,11 @@
           <a:bodyPr/>
           <a:lstStyle/>
           <a:p>
-            <a:fld id="{C90A66AE-81F5-474A-B74B-EE41E9320F19}" type="datetimeFigureOut">
-              <a:rPr lang="uk-UA" smtClean="0"/>
-              <a:t>27.05.2014</a:t>
+            <a:fld id="{6DFFEEC5-F28C-46C2-80AF-5E688A23C2F5}" type="datetimeFigureOut">
+              <a:rPr lang="pl-PL" smtClean="0"/>
+              <a:t>2014-05-27</a:t>
             </a:fld>
-            <a:endParaRPr lang="uk-UA"/>
+            <a:endParaRPr lang="pl-PL"/>
           </a:p>
         </p:txBody>
       </p:sp>
@@ -3382,7 +3358,7 @@
           <a:bodyPr/>
           <a:lstStyle/>
           <a:p>
-            <a:endParaRPr lang="uk-UA"/>
+            <a:endParaRPr lang="pl-PL"/>
           </a:p>
         </p:txBody>
       </p:sp>
@@ -3401,11 +3377,11 @@
           <a:bodyPr/>
           <a:lstStyle/>
           <a:p>
-            <a:fld id="{764F593F-0D5B-4CF0-BEE2-6583C73E7271}" type="slidenum">
-              <a:rPr lang="uk-UA" smtClean="0"/>
+            <a:fld id="{73EF6899-4492-4CD0-A061-8D8F2B4BE654}" type="slidenum">
+              <a:rPr lang="pl-PL" smtClean="0"/>
               <a:t>‹#›</a:t>
             </a:fld>
-            <a:endParaRPr lang="uk-UA"/>
+            <a:endParaRPr lang="pl-PL"/>
           </a:p>
         </p:txBody>
       </p:sp>
@@ -3414,18 +3390,6 @@
   <p:clrMapOvr>
     <a:masterClrMapping/>
   </p:clrMapOvr>
-  <mc:AlternateContent xmlns:mc="http://schemas.openxmlformats.org/markup-compatibility/2006">
-    <mc:Choice xmlns:p14="http://schemas.microsoft.com/office/powerpoint/2010/main" Requires="p14">
-      <p:transition spd="slow" p14:dur="1600">
-        <p14:prism isContent="1" isInverted="1"/>
-      </p:transition>
-    </mc:Choice>
-    <mc:Fallback>
-      <p:transition spd="slow">
-        <p:fade/>
-      </p:transition>
-    </mc:Fallback>
-  </mc:AlternateContent>
 </p:sldLayout>
 </file>
 
@@ -3536,11 +3500,11 @@
           <a:bodyPr/>
           <a:lstStyle/>
           <a:p>
-            <a:fld id="{C90A66AE-81F5-474A-B74B-EE41E9320F19}" type="datetimeFigureOut">
-              <a:rPr lang="uk-UA" smtClean="0"/>
-              <a:t>27.05.2014</a:t>
+            <a:fld id="{6DFFEEC5-F28C-46C2-80AF-5E688A23C2F5}" type="datetimeFigureOut">
+              <a:rPr lang="pl-PL" smtClean="0"/>
+              <a:t>2014-05-27</a:t>
             </a:fld>
-            <a:endParaRPr lang="uk-UA"/>
+            <a:endParaRPr lang="pl-PL"/>
           </a:p>
         </p:txBody>
       </p:sp>
@@ -3559,7 +3523,7 @@
           <a:bodyPr/>
           <a:lstStyle/>
           <a:p>
-            <a:endParaRPr lang="uk-UA"/>
+            <a:endParaRPr lang="pl-PL"/>
           </a:p>
         </p:txBody>
       </p:sp>
@@ -3578,11 +3542,11 @@
           <a:bodyPr/>
           <a:lstStyle/>
           <a:p>
-            <a:fld id="{764F593F-0D5B-4CF0-BEE2-6583C73E7271}" type="slidenum">
-              <a:rPr lang="uk-UA" smtClean="0"/>
+            <a:fld id="{73EF6899-4492-4CD0-A061-8D8F2B4BE654}" type="slidenum">
+              <a:rPr lang="pl-PL" smtClean="0"/>
               <a:t>‹#›</a:t>
             </a:fld>
-            <a:endParaRPr lang="uk-UA"/>
+            <a:endParaRPr lang="pl-PL"/>
           </a:p>
         </p:txBody>
       </p:sp>
@@ -3591,18 +3555,6 @@
   <p:clrMapOvr>
     <a:masterClrMapping/>
   </p:clrMapOvr>
-  <mc:AlternateContent xmlns:mc="http://schemas.openxmlformats.org/markup-compatibility/2006">
-    <mc:Choice xmlns:p14="http://schemas.microsoft.com/office/powerpoint/2010/main" Requires="p14">
-      <p:transition spd="slow" p14:dur="1600">
-        <p14:prism isContent="1" isInverted="1"/>
-      </p:transition>
-    </mc:Choice>
-    <mc:Fallback>
-      <p:transition spd="slow">
-        <p:fade/>
-      </p:transition>
-    </mc:Fallback>
-  </mc:AlternateContent>
 </p:sldLayout>
 </file>
 
@@ -3789,11 +3741,11 @@
           <a:bodyPr/>
           <a:lstStyle/>
           <a:p>
-            <a:fld id="{C90A66AE-81F5-474A-B74B-EE41E9320F19}" type="datetimeFigureOut">
-              <a:rPr lang="uk-UA" smtClean="0"/>
-              <a:t>27.05.2014</a:t>
+            <a:fld id="{6DFFEEC5-F28C-46C2-80AF-5E688A23C2F5}" type="datetimeFigureOut">
+              <a:rPr lang="pl-PL" smtClean="0"/>
+              <a:t>2014-05-27</a:t>
             </a:fld>
-            <a:endParaRPr lang="uk-UA"/>
+            <a:endParaRPr lang="pl-PL"/>
           </a:p>
         </p:txBody>
       </p:sp>
@@ -3812,7 +3764,7 @@
           <a:bodyPr/>
           <a:lstStyle/>
           <a:p>
-            <a:endParaRPr lang="uk-UA"/>
+            <a:endParaRPr lang="pl-PL"/>
           </a:p>
         </p:txBody>
       </p:sp>
@@ -3831,11 +3783,11 @@
           <a:bodyPr/>
           <a:lstStyle/>
           <a:p>
-            <a:fld id="{764F593F-0D5B-4CF0-BEE2-6583C73E7271}" type="slidenum">
-              <a:rPr lang="uk-UA" smtClean="0"/>
+            <a:fld id="{73EF6899-4492-4CD0-A061-8D8F2B4BE654}" type="slidenum">
+              <a:rPr lang="pl-PL" smtClean="0"/>
               <a:t>‹#›</a:t>
             </a:fld>
-            <a:endParaRPr lang="uk-UA"/>
+            <a:endParaRPr lang="pl-PL"/>
           </a:p>
         </p:txBody>
       </p:sp>
@@ -3844,18 +3796,6 @@
   <p:clrMapOvr>
     <a:masterClrMapping/>
   </p:clrMapOvr>
-  <mc:AlternateContent xmlns:mc="http://schemas.openxmlformats.org/markup-compatibility/2006">
-    <mc:Choice xmlns:p14="http://schemas.microsoft.com/office/powerpoint/2010/main" Requires="p14">
-      <p:transition spd="slow" p14:dur="1600">
-        <p14:prism isContent="1" isInverted="1"/>
-      </p:transition>
-    </mc:Choice>
-    <mc:Fallback>
-      <p:transition spd="slow">
-        <p:fade/>
-      </p:transition>
-    </mc:Fallback>
-  </mc:AlternateContent>
 </p:sldLayout>
 </file>
 
@@ -3914,11 +3854,11 @@
           <a:bodyPr/>
           <a:lstStyle/>
           <a:p>
-            <a:fld id="{C90A66AE-81F5-474A-B74B-EE41E9320F19}" type="datetimeFigureOut">
-              <a:rPr lang="uk-UA" smtClean="0"/>
-              <a:t>27.05.2014</a:t>
+            <a:fld id="{6DFFEEC5-F28C-46C2-80AF-5E688A23C2F5}" type="datetimeFigureOut">
+              <a:rPr lang="pl-PL" smtClean="0"/>
+              <a:t>2014-05-27</a:t>
             </a:fld>
-            <a:endParaRPr lang="uk-UA"/>
+            <a:endParaRPr lang="pl-PL"/>
           </a:p>
         </p:txBody>
       </p:sp>
@@ -3937,7 +3877,7 @@
           <a:bodyPr/>
           <a:lstStyle/>
           <a:p>
-            <a:endParaRPr lang="uk-UA"/>
+            <a:endParaRPr lang="pl-PL"/>
           </a:p>
         </p:txBody>
       </p:sp>
@@ -3956,11 +3896,11 @@
           <a:bodyPr/>
           <a:lstStyle/>
           <a:p>
-            <a:fld id="{764F593F-0D5B-4CF0-BEE2-6583C73E7271}" type="slidenum">
-              <a:rPr lang="uk-UA" smtClean="0"/>
+            <a:fld id="{73EF6899-4492-4CD0-A061-8D8F2B4BE654}" type="slidenum">
+              <a:rPr lang="pl-PL" smtClean="0"/>
               <a:t>‹#›</a:t>
             </a:fld>
-            <a:endParaRPr lang="uk-UA"/>
+            <a:endParaRPr lang="pl-PL"/>
           </a:p>
         </p:txBody>
       </p:sp>
@@ -4083,18 +4023,6 @@
   <p:clrMapOvr>
     <a:masterClrMapping/>
   </p:clrMapOvr>
-  <mc:AlternateContent xmlns:mc="http://schemas.openxmlformats.org/markup-compatibility/2006">
-    <mc:Choice xmlns:p14="http://schemas.microsoft.com/office/powerpoint/2010/main" Requires="p14">
-      <p:transition spd="slow" p14:dur="1600">
-        <p14:prism isContent="1" isInverted="1"/>
-      </p:transition>
-    </mc:Choice>
-    <mc:Fallback>
-      <p:transition spd="slow">
-        <p:fade/>
-      </p:transition>
-    </mc:Fallback>
-  </mc:AlternateContent>
 </p:sldLayout>
 </file>
 
@@ -4465,11 +4393,11 @@
           <a:bodyPr/>
           <a:lstStyle/>
           <a:p>
-            <a:fld id="{C90A66AE-81F5-474A-B74B-EE41E9320F19}" type="datetimeFigureOut">
-              <a:rPr lang="uk-UA" smtClean="0"/>
-              <a:t>27.05.2014</a:t>
+            <a:fld id="{6DFFEEC5-F28C-46C2-80AF-5E688A23C2F5}" type="datetimeFigureOut">
+              <a:rPr lang="pl-PL" smtClean="0"/>
+              <a:t>2014-05-27</a:t>
             </a:fld>
-            <a:endParaRPr lang="uk-UA"/>
+            <a:endParaRPr lang="pl-PL"/>
           </a:p>
         </p:txBody>
       </p:sp>
@@ -4488,7 +4416,7 @@
           <a:bodyPr/>
           <a:lstStyle/>
           <a:p>
-            <a:endParaRPr lang="uk-UA"/>
+            <a:endParaRPr lang="pl-PL"/>
           </a:p>
         </p:txBody>
       </p:sp>
@@ -4507,11 +4435,11 @@
           <a:bodyPr/>
           <a:lstStyle/>
           <a:p>
-            <a:fld id="{764F593F-0D5B-4CF0-BEE2-6583C73E7271}" type="slidenum">
-              <a:rPr lang="uk-UA" smtClean="0"/>
+            <a:fld id="{73EF6899-4492-4CD0-A061-8D8F2B4BE654}" type="slidenum">
+              <a:rPr lang="pl-PL" smtClean="0"/>
               <a:t>‹#›</a:t>
             </a:fld>
-            <a:endParaRPr lang="uk-UA"/>
+            <a:endParaRPr lang="pl-PL"/>
           </a:p>
         </p:txBody>
       </p:sp>
@@ -4520,18 +4448,6 @@
   <p:clrMapOvr>
     <a:masterClrMapping/>
   </p:clrMapOvr>
-  <mc:AlternateContent xmlns:mc="http://schemas.openxmlformats.org/markup-compatibility/2006">
-    <mc:Choice xmlns:p14="http://schemas.microsoft.com/office/powerpoint/2010/main" Requires="p14">
-      <p:transition spd="slow" p14:dur="1600">
-        <p14:prism isContent="1" isInverted="1"/>
-      </p:transition>
-    </mc:Choice>
-    <mc:Fallback>
-      <p:transition spd="slow">
-        <p:fade/>
-      </p:transition>
-    </mc:Fallback>
-  </mc:AlternateContent>
 </p:sldLayout>
 </file>
 
@@ -4590,11 +4506,11 @@
           <a:bodyPr/>
           <a:lstStyle/>
           <a:p>
-            <a:fld id="{C90A66AE-81F5-474A-B74B-EE41E9320F19}" type="datetimeFigureOut">
-              <a:rPr lang="uk-UA" smtClean="0"/>
-              <a:t>27.05.2014</a:t>
+            <a:fld id="{6DFFEEC5-F28C-46C2-80AF-5E688A23C2F5}" type="datetimeFigureOut">
+              <a:rPr lang="pl-PL" smtClean="0"/>
+              <a:t>2014-05-27</a:t>
             </a:fld>
-            <a:endParaRPr lang="uk-UA"/>
+            <a:endParaRPr lang="pl-PL"/>
           </a:p>
         </p:txBody>
       </p:sp>
@@ -4613,7 +4529,7 @@
           <a:bodyPr/>
           <a:lstStyle/>
           <a:p>
-            <a:endParaRPr lang="uk-UA"/>
+            <a:endParaRPr lang="pl-PL"/>
           </a:p>
         </p:txBody>
       </p:sp>
@@ -4632,11 +4548,11 @@
           <a:bodyPr/>
           <a:lstStyle/>
           <a:p>
-            <a:fld id="{764F593F-0D5B-4CF0-BEE2-6583C73E7271}" type="slidenum">
-              <a:rPr lang="uk-UA" smtClean="0"/>
+            <a:fld id="{73EF6899-4492-4CD0-A061-8D8F2B4BE654}" type="slidenum">
+              <a:rPr lang="pl-PL" smtClean="0"/>
               <a:t>‹#›</a:t>
             </a:fld>
-            <a:endParaRPr lang="uk-UA"/>
+            <a:endParaRPr lang="pl-PL"/>
           </a:p>
         </p:txBody>
       </p:sp>
@@ -4645,18 +4561,6 @@
   <p:clrMapOvr>
     <a:masterClrMapping/>
   </p:clrMapOvr>
-  <mc:AlternateContent xmlns:mc="http://schemas.openxmlformats.org/markup-compatibility/2006">
-    <mc:Choice xmlns:p14="http://schemas.microsoft.com/office/powerpoint/2010/main" Requires="p14">
-      <p:transition spd="slow" p14:dur="1600">
-        <p14:prism isContent="1" isInverted="1"/>
-      </p:transition>
-    </mc:Choice>
-    <mc:Fallback>
-      <p:transition spd="slow">
-        <p:fade/>
-      </p:transition>
-    </mc:Fallback>
-  </mc:AlternateContent>
 </p:sldLayout>
 </file>
 
@@ -4692,11 +4596,11 @@
           <a:bodyPr/>
           <a:lstStyle/>
           <a:p>
-            <a:fld id="{C90A66AE-81F5-474A-B74B-EE41E9320F19}" type="datetimeFigureOut">
-              <a:rPr lang="uk-UA" smtClean="0"/>
-              <a:t>27.05.2014</a:t>
+            <a:fld id="{6DFFEEC5-F28C-46C2-80AF-5E688A23C2F5}" type="datetimeFigureOut">
+              <a:rPr lang="pl-PL" smtClean="0"/>
+              <a:t>2014-05-27</a:t>
             </a:fld>
-            <a:endParaRPr lang="uk-UA"/>
+            <a:endParaRPr lang="pl-PL"/>
           </a:p>
         </p:txBody>
       </p:sp>
@@ -4715,7 +4619,7 @@
           <a:bodyPr/>
           <a:lstStyle/>
           <a:p>
-            <a:endParaRPr lang="uk-UA"/>
+            <a:endParaRPr lang="pl-PL"/>
           </a:p>
         </p:txBody>
       </p:sp>
@@ -4734,11 +4638,11 @@
           <a:bodyPr/>
           <a:lstStyle/>
           <a:p>
-            <a:fld id="{764F593F-0D5B-4CF0-BEE2-6583C73E7271}" type="slidenum">
-              <a:rPr lang="uk-UA" smtClean="0"/>
+            <a:fld id="{73EF6899-4492-4CD0-A061-8D8F2B4BE654}" type="slidenum">
+              <a:rPr lang="pl-PL" smtClean="0"/>
               <a:t>‹#›</a:t>
             </a:fld>
-            <a:endParaRPr lang="uk-UA"/>
+            <a:endParaRPr lang="pl-PL"/>
           </a:p>
         </p:txBody>
       </p:sp>
@@ -4747,23 +4651,11 @@
   <p:clrMapOvr>
     <a:masterClrMapping/>
   </p:clrMapOvr>
-  <mc:AlternateContent xmlns:mc="http://schemas.openxmlformats.org/markup-compatibility/2006">
-    <mc:Choice xmlns:p14="http://schemas.microsoft.com/office/powerpoint/2010/main" Requires="p14">
-      <p:transition spd="slow" p14:dur="1600">
-        <p14:prism isContent="1" isInverted="1"/>
-      </p:transition>
-    </mc:Choice>
-    <mc:Fallback>
-      <p:transition spd="slow">
-        <p:fade/>
-      </p:transition>
-    </mc:Fallback>
-  </mc:AlternateContent>
 </p:sldLayout>
 </file>
 
 <file path=ppt/slideLayouts/slideLayout8.xml><?xml version="1.0" encoding="utf-8"?>
-<p:sldLayout xmlns:a="http://schemas.openxmlformats.org/drawingml/2006/main" xmlns:r="http://schemas.openxmlformats.org/officeDocument/2006/relationships" xmlns:p="http://schemas.openxmlformats.org/presentationml/2006/main" type="objTx" preserve="1">
+<p:sldLayout xmlns:a="http://schemas.openxmlformats.org/drawingml/2006/main" xmlns:r="http://schemas.openxmlformats.org/officeDocument/2006/relationships" xmlns:p="http://schemas.openxmlformats.org/presentationml/2006/main" showMasterSp="0" type="objTx" preserve="1">
   <p:cSld name="Zawartość z podpisem">
     <p:spTree>
       <p:nvGrpSpPr>
@@ -7355,11 +7247,11 @@
           <a:bodyPr/>
           <a:lstStyle/>
           <a:p>
-            <a:fld id="{C90A66AE-81F5-474A-B74B-EE41E9320F19}" type="datetimeFigureOut">
-              <a:rPr lang="uk-UA" smtClean="0"/>
-              <a:t>27.05.2014</a:t>
+            <a:fld id="{6DFFEEC5-F28C-46C2-80AF-5E688A23C2F5}" type="datetimeFigureOut">
+              <a:rPr lang="pl-PL" smtClean="0"/>
+              <a:t>2014-05-27</a:t>
             </a:fld>
-            <a:endParaRPr lang="uk-UA"/>
+            <a:endParaRPr lang="pl-PL"/>
           </a:p>
         </p:txBody>
       </p:sp>
@@ -7378,11 +7270,11 @@
           <a:bodyPr/>
           <a:lstStyle/>
           <a:p>
-            <a:fld id="{764F593F-0D5B-4CF0-BEE2-6583C73E7271}" type="slidenum">
-              <a:rPr lang="uk-UA" smtClean="0"/>
+            <a:fld id="{73EF6899-4492-4CD0-A061-8D8F2B4BE654}" type="slidenum">
+              <a:rPr lang="pl-PL" smtClean="0"/>
               <a:t>‹#›</a:t>
             </a:fld>
-            <a:endParaRPr lang="uk-UA"/>
+            <a:endParaRPr lang="pl-PL"/>
           </a:p>
         </p:txBody>
       </p:sp>
@@ -7587,7 +7479,7 @@
           </a:bodyPr>
           <a:lstStyle/>
           <a:p>
-            <a:endParaRPr lang="uk-UA"/>
+            <a:endParaRPr lang="pl-PL"/>
           </a:p>
         </p:txBody>
       </p:sp>
@@ -7701,23 +7593,11 @@
   <p:clrMapOvr>
     <a:masterClrMapping/>
   </p:clrMapOvr>
-  <mc:AlternateContent xmlns:mc="http://schemas.openxmlformats.org/markup-compatibility/2006">
-    <mc:Choice xmlns:p14="http://schemas.microsoft.com/office/powerpoint/2010/main" Requires="p14">
-      <p:transition spd="slow" p14:dur="1600">
-        <p14:prism isContent="1" isInverted="1"/>
-      </p:transition>
-    </mc:Choice>
-    <mc:Fallback>
-      <p:transition spd="slow">
-        <p:fade/>
-      </p:transition>
-    </mc:Fallback>
-  </mc:AlternateContent>
 </p:sldLayout>
 </file>
 
 <file path=ppt/slideLayouts/slideLayout9.xml><?xml version="1.0" encoding="utf-8"?>
-<p:sldLayout xmlns:a="http://schemas.openxmlformats.org/drawingml/2006/main" xmlns:r="http://schemas.openxmlformats.org/officeDocument/2006/relationships" xmlns:p="http://schemas.openxmlformats.org/presentationml/2006/main" type="picTx" preserve="1">
+<p:sldLayout xmlns:a="http://schemas.openxmlformats.org/drawingml/2006/main" xmlns:r="http://schemas.openxmlformats.org/officeDocument/2006/relationships" xmlns:p="http://schemas.openxmlformats.org/presentationml/2006/main" showMasterSp="0" type="picTx" preserve="1">
   <p:cSld name="Obraz z podpisem">
     <p:spTree>
       <p:nvGrpSpPr>
@@ -10579,11 +10459,11 @@
           <a:bodyPr/>
           <a:lstStyle/>
           <a:p>
-            <a:fld id="{C90A66AE-81F5-474A-B74B-EE41E9320F19}" type="datetimeFigureOut">
-              <a:rPr lang="uk-UA" smtClean="0"/>
-              <a:t>27.05.2014</a:t>
+            <a:fld id="{6DFFEEC5-F28C-46C2-80AF-5E688A23C2F5}" type="datetimeFigureOut">
+              <a:rPr lang="pl-PL" smtClean="0"/>
+              <a:t>2014-05-27</a:t>
             </a:fld>
-            <a:endParaRPr lang="uk-UA"/>
+            <a:endParaRPr lang="pl-PL"/>
           </a:p>
         </p:txBody>
       </p:sp>
@@ -10609,7 +10489,7 @@
           </a:bodyPr>
           <a:lstStyle/>
           <a:p>
-            <a:endParaRPr lang="uk-UA"/>
+            <a:endParaRPr lang="pl-PL"/>
           </a:p>
         </p:txBody>
       </p:sp>
@@ -10628,11 +10508,11 @@
           <a:bodyPr/>
           <a:lstStyle/>
           <a:p>
-            <a:fld id="{764F593F-0D5B-4CF0-BEE2-6583C73E7271}" type="slidenum">
-              <a:rPr lang="uk-UA" smtClean="0"/>
+            <a:fld id="{73EF6899-4492-4CD0-A061-8D8F2B4BE654}" type="slidenum">
+              <a:rPr lang="pl-PL" smtClean="0"/>
               <a:t>‹#›</a:t>
             </a:fld>
-            <a:endParaRPr lang="uk-UA"/>
+            <a:endParaRPr lang="pl-PL"/>
           </a:p>
         </p:txBody>
       </p:sp>
@@ -10641,18 +10521,6 @@
   <p:clrMapOvr>
     <a:masterClrMapping/>
   </p:clrMapOvr>
-  <mc:AlternateContent xmlns:mc="http://schemas.openxmlformats.org/markup-compatibility/2006">
-    <mc:Choice xmlns:p14="http://schemas.microsoft.com/office/powerpoint/2010/main" Requires="p14">
-      <p:transition spd="slow" p14:dur="1600">
-        <p14:prism isContent="1" isInverted="1"/>
-      </p:transition>
-    </mc:Choice>
-    <mc:Fallback>
-      <p:transition spd="slow">
-        <p:fade/>
-      </p:transition>
-    </mc:Fallback>
-  </mc:AlternateContent>
 </p:sldLayout>
 </file>
 
@@ -10660,18 +10528,9 @@
 <p:sldMaster xmlns:a="http://schemas.openxmlformats.org/drawingml/2006/main" xmlns:r="http://schemas.openxmlformats.org/officeDocument/2006/relationships" xmlns:p="http://schemas.openxmlformats.org/presentationml/2006/main">
   <p:cSld>
     <p:bg>
-      <p:bgPr>
-        <a:blipFill dpi="0" rotWithShape="1">
-          <a:blip r:embed="rId13">
-            <a:lum/>
-          </a:blip>
-          <a:srcRect/>
-          <a:stretch>
-            <a:fillRect l="-17000" r="-17000"/>
-          </a:stretch>
-        </a:blipFill>
-        <a:effectLst/>
-      </p:bgPr>
+      <p:bgRef idx="1002">
+        <a:schemeClr val="bg2"/>
+      </p:bgRef>
     </p:bg>
     <p:spTree>
       <p:nvGrpSpPr>
@@ -13422,11 +13281,11 @@
             </a:lvl1pPr>
           </a:lstStyle>
           <a:p>
-            <a:fld id="{C90A66AE-81F5-474A-B74B-EE41E9320F19}" type="datetimeFigureOut">
-              <a:rPr lang="uk-UA" smtClean="0"/>
-              <a:t>27.05.2014</a:t>
+            <a:fld id="{6DFFEEC5-F28C-46C2-80AF-5E688A23C2F5}" type="datetimeFigureOut">
+              <a:rPr lang="pl-PL" smtClean="0"/>
+              <a:t>2014-05-27</a:t>
             </a:fld>
-            <a:endParaRPr lang="uk-UA"/>
+            <a:endParaRPr lang="pl-PL"/>
           </a:p>
         </p:txBody>
       </p:sp>
@@ -13461,7 +13320,7 @@
             </a:lvl1pPr>
           </a:lstStyle>
           <a:p>
-            <a:endParaRPr lang="uk-UA"/>
+            <a:endParaRPr lang="pl-PL"/>
           </a:p>
         </p:txBody>
       </p:sp>
@@ -13496,11 +13355,11 @@
             </a:lvl1pPr>
           </a:lstStyle>
           <a:p>
-            <a:fld id="{764F593F-0D5B-4CF0-BEE2-6583C73E7271}" type="slidenum">
-              <a:rPr lang="uk-UA" smtClean="0"/>
+            <a:fld id="{73EF6899-4492-4CD0-A061-8D8F2B4BE654}" type="slidenum">
+              <a:rPr lang="pl-PL" smtClean="0"/>
               <a:t>‹#›</a:t>
             </a:fld>
-            <a:endParaRPr lang="uk-UA"/>
+            <a:endParaRPr lang="pl-PL"/>
           </a:p>
         </p:txBody>
       </p:sp>
@@ -13520,18 +13379,6 @@
     <p:sldLayoutId id="2147483670" r:id="rId10"/>
     <p:sldLayoutId id="2147483671" r:id="rId11"/>
   </p:sldLayoutIdLst>
-  <mc:AlternateContent xmlns:mc="http://schemas.openxmlformats.org/markup-compatibility/2006">
-    <mc:Choice xmlns:p14="http://schemas.microsoft.com/office/powerpoint/2010/main" Requires="p14">
-      <p:transition spd="slow" p14:dur="1600">
-        <p14:prism isContent="1" isInverted="1"/>
-      </p:transition>
-    </mc:Choice>
-    <mc:Fallback>
-      <p:transition spd="slow">
-        <p:fade/>
-      </p:transition>
-    </mc:Fallback>
-  </mc:AlternateContent>
   <p:txStyles>
     <p:titleStyle>
       <a:lvl1pPr algn="l" defTabSz="914400" rtl="0" eaLnBrk="1" latinLnBrk="0" hangingPunct="1">
@@ -13880,6 +13727,20 @@
 <file path=ppt/slides/slide1.xml><?xml version="1.0" encoding="utf-8"?>
 <p:sld xmlns:a="http://schemas.openxmlformats.org/drawingml/2006/main" xmlns:r="http://schemas.openxmlformats.org/officeDocument/2006/relationships" xmlns:p="http://schemas.openxmlformats.org/presentationml/2006/main">
   <p:cSld>
+    <p:bg>
+      <p:bgPr>
+        <a:blipFill dpi="0" rotWithShape="1">
+          <a:blip r:embed="rId2">
+            <a:lum/>
+          </a:blip>
+          <a:srcRect/>
+          <a:stretch>
+            <a:fillRect l="-17000" r="-17000"/>
+          </a:stretch>
+        </a:blipFill>
+        <a:effectLst/>
+      </p:bgPr>
+    </p:bg>
     <p:spTree>
       <p:nvGrpSpPr>
         <p:cNvPr id="1" name=""/>
@@ -13907,7 +13768,7 @@
         <p:spPr/>
         <p:txBody>
           <a:bodyPr>
-            <a:noAutofit/>
+            <a:normAutofit fontScale="90000"/>
           </a:bodyPr>
           <a:lstStyle/>
           <a:p>
@@ -13917,21 +13778,21 @@
               </a:lnSpc>
             </a:pPr>
             <a:r>
-              <a:rPr lang="pl-PL" sz="3000" dirty="0" smtClean="0"/>
+              <a:rPr lang="pl-PL" sz="3000" dirty="0"/>
               <a:t>Projekt</a:t>
             </a:r>
             <a:br>
-              <a:rPr lang="pl-PL" sz="3000" dirty="0" smtClean="0"/>
+              <a:rPr lang="pl-PL" sz="3000" dirty="0"/>
             </a:br>
             <a:r>
-              <a:rPr lang="pl-PL" sz="3000" dirty="0" smtClean="0"/>
+              <a:rPr lang="pl-PL" sz="3000" dirty="0"/>
               <a:t>Programowanie</a:t>
             </a:r>
             <a:br>
-              <a:rPr lang="pl-PL" sz="3000" dirty="0" smtClean="0"/>
+              <a:rPr lang="pl-PL" sz="3000" dirty="0"/>
             </a:br>
             <a:r>
-              <a:rPr lang="pl-PL" sz="3000" dirty="0" smtClean="0">
+              <a:rPr lang="pl-PL" sz="3000" dirty="0">
                 <a:solidFill>
                   <a:schemeClr val="accent2">
                     <a:lumMod val="75000"/>
@@ -13940,13 +13801,7 @@
               </a:rPr>
               <a:t>Car Service</a:t>
             </a:r>
-            <a:endParaRPr lang="pl-PL" sz="3000" dirty="0">
-              <a:solidFill>
-                <a:schemeClr val="accent2">
-                  <a:lumMod val="75000"/>
-                </a:schemeClr>
-              </a:solidFill>
-            </a:endParaRPr>
+            <a:endParaRPr lang="pl-PL" sz="3000" dirty="0"/>
           </a:p>
         </p:txBody>
       </p:sp>
@@ -13963,7 +13818,7 @@
         <p:spPr>
           <a:xfrm>
             <a:off x="4733365" y="4421080"/>
-            <a:ext cx="3309803" cy="1744224"/>
+            <a:ext cx="3309803" cy="1672216"/>
           </a:xfrm>
         </p:spPr>
         <p:txBody>
@@ -13985,7 +13840,7 @@
           </a:p>
           <a:p>
             <a:r>
-              <a:rPr lang="pl-PL" dirty="0" smtClean="0">
+              <a:rPr lang="pl-PL" dirty="0">
                 <a:solidFill>
                   <a:schemeClr val="accent2">
                     <a:lumMod val="75000"/>
@@ -14012,19 +13867,9 @@
                   </a:schemeClr>
                 </a:solidFill>
               </a:rPr>
-              <a:t> 49167, </a:t>
+              <a:t> 49167, 4IID-P</a:t>
             </a:r>
-            <a:r>
-              <a:rPr lang="pl-PL" dirty="0" smtClean="0">
-                <a:solidFill>
-                  <a:schemeClr val="accent2">
-                    <a:lumMod val="75000"/>
-                  </a:schemeClr>
-                </a:solidFill>
-              </a:rPr>
-              <a:t>4IID-P</a:t>
-            </a:r>
-            <a:endParaRPr lang="en-US" dirty="0" smtClean="0">
+            <a:endParaRPr lang="en-US" dirty="0">
               <a:solidFill>
                 <a:schemeClr val="accent2">
                   <a:lumMod val="75000"/>
@@ -14034,7 +13879,7 @@
           </a:p>
           <a:p>
             <a:r>
-              <a:rPr lang="en-US" dirty="0" err="1" smtClean="0">
+              <a:rPr lang="en-US" dirty="0" err="1">
                 <a:solidFill>
                   <a:schemeClr val="accent2">
                     <a:lumMod val="75000"/>
@@ -14044,7 +13889,7 @@
               <a:t>Olha</a:t>
             </a:r>
             <a:r>
-              <a:rPr lang="en-US" dirty="0" smtClean="0">
+              <a:rPr lang="en-US" dirty="0">
                 <a:solidFill>
                   <a:schemeClr val="accent2">
                     <a:lumMod val="75000"/>
@@ -14054,7 +13899,7 @@
               <a:t> </a:t>
             </a:r>
             <a:r>
-              <a:rPr lang="en-US" dirty="0" err="1" smtClean="0">
+              <a:rPr lang="en-US" dirty="0" err="1">
                 <a:solidFill>
                   <a:schemeClr val="accent2">
                     <a:lumMod val="75000"/>
@@ -14064,7 +13909,7 @@
               <a:t>Voroniak</a:t>
             </a:r>
             <a:r>
-              <a:rPr lang="en-US" dirty="0" smtClean="0">
+              <a:rPr lang="en-US" dirty="0">
                 <a:solidFill>
                   <a:schemeClr val="accent2">
                     <a:lumMod val="75000"/>
@@ -14076,7 +13921,7 @@
           </a:p>
           <a:p>
             <a:r>
-              <a:rPr lang="en-US" dirty="0" err="1" smtClean="0">
+              <a:rPr lang="en-US" dirty="0" err="1">
                 <a:solidFill>
                   <a:schemeClr val="accent2">
                     <a:lumMod val="75000"/>
@@ -14086,7 +13931,7 @@
               <a:t>Ostap</a:t>
             </a:r>
             <a:r>
-              <a:rPr lang="en-US" dirty="0" smtClean="0">
+              <a:rPr lang="en-US" dirty="0">
                 <a:solidFill>
                   <a:schemeClr val="accent2">
                     <a:lumMod val="75000"/>
@@ -14096,7 +13941,7 @@
               <a:t> </a:t>
             </a:r>
             <a:r>
-              <a:rPr lang="en-US" dirty="0" err="1" smtClean="0">
+              <a:rPr lang="en-US" dirty="0" err="1">
                 <a:solidFill>
                   <a:schemeClr val="accent2">
                     <a:lumMod val="75000"/>
@@ -14106,7 +13951,7 @@
               <a:t>Pryima</a:t>
             </a:r>
             <a:r>
-              <a:rPr lang="en-US" dirty="0" smtClean="0">
+              <a:rPr lang="en-US" dirty="0">
                 <a:solidFill>
                   <a:schemeClr val="accent2">
                     <a:lumMod val="75000"/>
@@ -14122,7 +13967,7 @@
           <a:p>
             <a:pPr algn="ctr"/>
             <a:r>
-              <a:rPr lang="pl-PL" dirty="0" smtClean="0">
+              <a:rPr lang="pl-PL" dirty="0">
                 <a:solidFill>
                   <a:schemeClr val="accent1">
                     <a:lumMod val="75000"/>
@@ -14131,13 +13976,9 @@
               </a:rPr>
               <a:t>Rzeszów, 2014</a:t>
             </a:r>
-            <a:endParaRPr lang="pl-PL" dirty="0">
-              <a:solidFill>
-                <a:schemeClr val="accent1">
-                  <a:lumMod val="75000"/>
-                </a:schemeClr>
-              </a:solidFill>
-            </a:endParaRPr>
+          </a:p>
+          <a:p>
+            <a:endParaRPr lang="pl-PL" dirty="0"/>
           </a:p>
         </p:txBody>
       </p:sp>
@@ -14150,7 +13991,7 @@
           <p:nvPr/>
         </p:nvPicPr>
         <p:blipFill>
-          <a:blip r:embed="rId2" cstate="print">
+          <a:blip r:embed="rId3" cstate="print">
             <a:extLst>
               <a:ext uri="{28A0092B-C50C-407E-A947-70E740481C1C}">
                 <a14:useLocalDpi xmlns:a14="http://schemas.microsoft.com/office/drawing/2010/main" val="0"/>
@@ -14174,38 +14015,33 @@
     </p:spTree>
     <p:extLst>
       <p:ext uri="{BB962C8B-B14F-4D97-AF65-F5344CB8AC3E}">
-        <p14:creationId xmlns:p14="http://schemas.microsoft.com/office/powerpoint/2010/main" val="2174386945"/>
+        <p14:creationId xmlns:p14="http://schemas.microsoft.com/office/powerpoint/2010/main" val="3985414153"/>
       </p:ext>
     </p:extLst>
   </p:cSld>
   <p:clrMapOvr>
     <a:masterClrMapping/>
   </p:clrMapOvr>
-  <mc:AlternateContent xmlns:mc="http://schemas.openxmlformats.org/markup-compatibility/2006">
-    <mc:Choice xmlns:p14="http://schemas.microsoft.com/office/powerpoint/2010/main" Requires="p14">
-      <p:transition spd="slow" p14:dur="1600">
-        <p14:prism isContent="1" isInverted="1"/>
-      </p:transition>
-    </mc:Choice>
-    <mc:Fallback>
-      <p:transition spd="slow">
-        <p:fade/>
-      </p:transition>
-    </mc:Fallback>
-  </mc:AlternateContent>
-  <p:timing>
-    <p:tnLst>
-      <p:par>
-        <p:cTn id="1" dur="indefinite" restart="never" nodeType="tmRoot"/>
-      </p:par>
-    </p:tnLst>
-  </p:timing>
 </p:sld>
 </file>
 
 <file path=ppt/slides/slide10.xml><?xml version="1.0" encoding="utf-8"?>
 <p:sld xmlns:a="http://schemas.openxmlformats.org/drawingml/2006/main" xmlns:r="http://schemas.openxmlformats.org/officeDocument/2006/relationships" xmlns:p="http://schemas.openxmlformats.org/presentationml/2006/main">
   <p:cSld>
+    <p:bg>
+      <p:bgPr>
+        <a:blipFill dpi="0" rotWithShape="1">
+          <a:blip r:embed="rId2">
+            <a:lum/>
+          </a:blip>
+          <a:srcRect/>
+          <a:stretch>
+            <a:fillRect l="-17000" r="-17000"/>
+          </a:stretch>
+        </a:blipFill>
+        <a:effectLst/>
+      </p:bgPr>
+    </p:bg>
     <p:spTree>
       <p:nvGrpSpPr>
         <p:cNvPr id="1" name=""/>
@@ -14277,7 +14113,7 @@
           </p:nvPr>
         </p:nvPicPr>
         <p:blipFill>
-          <a:blip r:embed="rId2">
+          <a:blip r:embed="rId3">
             <a:extLst>
               <a:ext uri="{28A0092B-C50C-407E-A947-70E740481C1C}">
                 <a14:useLocalDpi xmlns:a14="http://schemas.microsoft.com/office/drawing/2010/main" val="0"/>
@@ -14304,7 +14140,7 @@
           <p:nvPr/>
         </p:nvPicPr>
         <p:blipFill rotWithShape="1">
-          <a:blip r:embed="rId3">
+          <a:blip r:embed="rId4">
             <a:extLst>
               <a:ext uri="{28A0092B-C50C-407E-A947-70E740481C1C}">
                 <a14:useLocalDpi xmlns:a14="http://schemas.microsoft.com/office/drawing/2010/main" val="0"/>
@@ -14327,20 +14163,20 @@
     </p:spTree>
     <p:extLst>
       <p:ext uri="{BB962C8B-B14F-4D97-AF65-F5344CB8AC3E}">
-        <p14:creationId xmlns:p14="http://schemas.microsoft.com/office/powerpoint/2010/main" val="2387809383"/>
+        <p14:creationId xmlns:p14="http://schemas.microsoft.com/office/powerpoint/2010/main" val="2750008149"/>
       </p:ext>
     </p:extLst>
   </p:cSld>
   <p:clrMapOvr>
     <a:masterClrMapping/>
   </p:clrMapOvr>
-  <mc:AlternateContent xmlns:mc="http://schemas.openxmlformats.org/markup-compatibility/2006">
-    <mc:Choice xmlns:p14="http://schemas.microsoft.com/office/powerpoint/2010/main" Requires="p14">
+  <mc:AlternateContent xmlns:mc="http://schemas.openxmlformats.org/markup-compatibility/2006" xmlns:p14="http://schemas.microsoft.com/office/powerpoint/2010/main">
+    <mc:Choice Requires="p14">
       <p:transition spd="slow" p14:dur="1600">
         <p14:prism isContent="1" isInverted="1"/>
       </p:transition>
     </mc:Choice>
-    <mc:Fallback>
+    <mc:Fallback xmlns="">
       <p:transition spd="slow">
         <p:fade/>
       </p:transition>
@@ -14359,6 +14195,20 @@
 <file path=ppt/slides/slide11.xml><?xml version="1.0" encoding="utf-8"?>
 <p:sld xmlns:a="http://schemas.openxmlformats.org/drawingml/2006/main" xmlns:r="http://schemas.openxmlformats.org/officeDocument/2006/relationships" xmlns:p="http://schemas.openxmlformats.org/presentationml/2006/main">
   <p:cSld>
+    <p:bg>
+      <p:bgPr>
+        <a:blipFill dpi="0" rotWithShape="1">
+          <a:blip r:embed="rId2">
+            <a:lum/>
+          </a:blip>
+          <a:srcRect/>
+          <a:stretch>
+            <a:fillRect l="-17000" r="-17000"/>
+          </a:stretch>
+        </a:blipFill>
+        <a:effectLst/>
+      </p:bgPr>
+    </p:bg>
     <p:spTree>
       <p:nvGrpSpPr>
         <p:cNvPr id="1" name=""/>
@@ -14420,7 +14270,7 @@
           </p:nvPr>
         </p:nvPicPr>
         <p:blipFill>
-          <a:blip r:embed="rId2">
+          <a:blip r:embed="rId3">
             <a:extLst>
               <a:ext uri="{28A0092B-C50C-407E-A947-70E740481C1C}">
                 <a14:useLocalDpi xmlns:a14="http://schemas.microsoft.com/office/drawing/2010/main" val="0"/>
@@ -14441,20 +14291,20 @@
     </p:spTree>
     <p:extLst>
       <p:ext uri="{BB962C8B-B14F-4D97-AF65-F5344CB8AC3E}">
-        <p14:creationId xmlns:p14="http://schemas.microsoft.com/office/powerpoint/2010/main" val="1705389874"/>
+        <p14:creationId xmlns:p14="http://schemas.microsoft.com/office/powerpoint/2010/main" val="4051013245"/>
       </p:ext>
     </p:extLst>
   </p:cSld>
   <p:clrMapOvr>
     <a:masterClrMapping/>
   </p:clrMapOvr>
-  <mc:AlternateContent xmlns:mc="http://schemas.openxmlformats.org/markup-compatibility/2006">
-    <mc:Choice xmlns:p14="http://schemas.microsoft.com/office/powerpoint/2010/main" Requires="p14">
+  <mc:AlternateContent xmlns:mc="http://schemas.openxmlformats.org/markup-compatibility/2006" xmlns:p14="http://schemas.microsoft.com/office/powerpoint/2010/main">
+    <mc:Choice Requires="p14">
       <p:transition spd="slow" p14:dur="1600">
         <p14:prism isContent="1" isInverted="1"/>
       </p:transition>
     </mc:Choice>
-    <mc:Fallback>
+    <mc:Fallback xmlns="">
       <p:transition spd="slow">
         <p:fade/>
       </p:transition>
@@ -14473,6 +14323,20 @@
 <file path=ppt/slides/slide12.xml><?xml version="1.0" encoding="utf-8"?>
 <p:sld xmlns:a="http://schemas.openxmlformats.org/drawingml/2006/main" xmlns:r="http://schemas.openxmlformats.org/officeDocument/2006/relationships" xmlns:p="http://schemas.openxmlformats.org/presentationml/2006/main">
   <p:cSld>
+    <p:bg>
+      <p:bgPr>
+        <a:blipFill dpi="0" rotWithShape="1">
+          <a:blip r:embed="rId2">
+            <a:lum/>
+          </a:blip>
+          <a:srcRect/>
+          <a:stretch>
+            <a:fillRect l="-17000" r="-17000"/>
+          </a:stretch>
+        </a:blipFill>
+        <a:effectLst/>
+      </p:bgPr>
+    </p:bg>
     <p:spTree>
       <p:nvGrpSpPr>
         <p:cNvPr id="1" name=""/>
@@ -14536,7 +14400,7 @@
           </p:nvPr>
         </p:nvPicPr>
         <p:blipFill>
-          <a:blip r:embed="rId2">
+          <a:blip r:embed="rId3">
             <a:extLst>
               <a:ext uri="{28A0092B-C50C-407E-A947-70E740481C1C}">
                 <a14:useLocalDpi xmlns:a14="http://schemas.microsoft.com/office/drawing/2010/main" val="0"/>
@@ -14557,20 +14421,20 @@
     </p:spTree>
     <p:extLst>
       <p:ext uri="{BB962C8B-B14F-4D97-AF65-F5344CB8AC3E}">
-        <p14:creationId xmlns:p14="http://schemas.microsoft.com/office/powerpoint/2010/main" val="3811594322"/>
+        <p14:creationId xmlns:p14="http://schemas.microsoft.com/office/powerpoint/2010/main" val="2782915905"/>
       </p:ext>
     </p:extLst>
   </p:cSld>
   <p:clrMapOvr>
     <a:masterClrMapping/>
   </p:clrMapOvr>
-  <mc:AlternateContent xmlns:mc="http://schemas.openxmlformats.org/markup-compatibility/2006">
-    <mc:Choice xmlns:p14="http://schemas.microsoft.com/office/powerpoint/2010/main" Requires="p14">
+  <mc:AlternateContent xmlns:mc="http://schemas.openxmlformats.org/markup-compatibility/2006" xmlns:p14="http://schemas.microsoft.com/office/powerpoint/2010/main">
+    <mc:Choice Requires="p14">
       <p:transition spd="slow" p14:dur="1600">
         <p14:prism isContent="1" isInverted="1"/>
       </p:transition>
     </mc:Choice>
-    <mc:Fallback>
+    <mc:Fallback xmlns="">
       <p:transition spd="slow">
         <p:fade/>
       </p:transition>
@@ -14589,6 +14453,20 @@
 <file path=ppt/slides/slide13.xml><?xml version="1.0" encoding="utf-8"?>
 <p:sld xmlns:a="http://schemas.openxmlformats.org/drawingml/2006/main" xmlns:r="http://schemas.openxmlformats.org/officeDocument/2006/relationships" xmlns:p="http://schemas.openxmlformats.org/presentationml/2006/main">
   <p:cSld>
+    <p:bg>
+      <p:bgPr>
+        <a:blipFill dpi="0" rotWithShape="1">
+          <a:blip r:embed="rId2">
+            <a:lum/>
+          </a:blip>
+          <a:srcRect/>
+          <a:stretch>
+            <a:fillRect l="-17000" r="-17000"/>
+          </a:stretch>
+        </a:blipFill>
+        <a:effectLst/>
+      </p:bgPr>
+    </p:bg>
     <p:spTree>
       <p:nvGrpSpPr>
         <p:cNvPr id="1" name=""/>
@@ -14676,7 +14554,7 @@
           </p:nvPr>
         </p:nvPicPr>
         <p:blipFill>
-          <a:blip r:embed="rId2">
+          <a:blip r:embed="rId3">
             <a:extLst>
               <a:ext uri="{28A0092B-C50C-407E-A947-70E740481C1C}">
                 <a14:useLocalDpi xmlns:a14="http://schemas.microsoft.com/office/drawing/2010/main" val="0"/>
@@ -14697,20 +14575,20 @@
     </p:spTree>
     <p:extLst>
       <p:ext uri="{BB962C8B-B14F-4D97-AF65-F5344CB8AC3E}">
-        <p14:creationId xmlns:p14="http://schemas.microsoft.com/office/powerpoint/2010/main" val="193979014"/>
+        <p14:creationId xmlns:p14="http://schemas.microsoft.com/office/powerpoint/2010/main" val="4190100903"/>
       </p:ext>
     </p:extLst>
   </p:cSld>
   <p:clrMapOvr>
     <a:masterClrMapping/>
   </p:clrMapOvr>
-  <mc:AlternateContent xmlns:mc="http://schemas.openxmlformats.org/markup-compatibility/2006">
-    <mc:Choice xmlns:p14="http://schemas.microsoft.com/office/powerpoint/2010/main" Requires="p14">
+  <mc:AlternateContent xmlns:mc="http://schemas.openxmlformats.org/markup-compatibility/2006" xmlns:p14="http://schemas.microsoft.com/office/powerpoint/2010/main">
+    <mc:Choice Requires="p14">
       <p:transition spd="slow" p14:dur="1600">
         <p14:prism isContent="1" isInverted="1"/>
       </p:transition>
     </mc:Choice>
-    <mc:Fallback>
+    <mc:Fallback xmlns="">
       <p:transition spd="slow">
         <p:fade/>
       </p:transition>
@@ -14729,6 +14607,20 @@
 <file path=ppt/slides/slide14.xml><?xml version="1.0" encoding="utf-8"?>
 <p:sld xmlns:a="http://schemas.openxmlformats.org/drawingml/2006/main" xmlns:r="http://schemas.openxmlformats.org/officeDocument/2006/relationships" xmlns:p="http://schemas.openxmlformats.org/presentationml/2006/main">
   <p:cSld>
+    <p:bg>
+      <p:bgPr>
+        <a:blipFill dpi="0" rotWithShape="1">
+          <a:blip r:embed="rId2">
+            <a:lum/>
+          </a:blip>
+          <a:srcRect/>
+          <a:stretch>
+            <a:fillRect l="-17000" r="-17000"/>
+          </a:stretch>
+        </a:blipFill>
+        <a:effectLst/>
+      </p:bgPr>
+    </p:bg>
     <p:spTree>
       <p:nvGrpSpPr>
         <p:cNvPr id="1" name=""/>
@@ -14792,7 +14684,7 @@
           </p:nvPr>
         </p:nvPicPr>
         <p:blipFill>
-          <a:blip r:embed="rId2">
+          <a:blip r:embed="rId3">
             <a:extLst>
               <a:ext uri="{28A0092B-C50C-407E-A947-70E740481C1C}">
                 <a14:useLocalDpi xmlns:a14="http://schemas.microsoft.com/office/drawing/2010/main" val="0"/>
@@ -14813,20 +14705,20 @@
     </p:spTree>
     <p:extLst>
       <p:ext uri="{BB962C8B-B14F-4D97-AF65-F5344CB8AC3E}">
-        <p14:creationId xmlns:p14="http://schemas.microsoft.com/office/powerpoint/2010/main" val="3884914566"/>
+        <p14:creationId xmlns:p14="http://schemas.microsoft.com/office/powerpoint/2010/main" val="583855083"/>
       </p:ext>
     </p:extLst>
   </p:cSld>
   <p:clrMapOvr>
     <a:masterClrMapping/>
   </p:clrMapOvr>
-  <mc:AlternateContent xmlns:mc="http://schemas.openxmlformats.org/markup-compatibility/2006">
-    <mc:Choice xmlns:p14="http://schemas.microsoft.com/office/powerpoint/2010/main" Requires="p14">
+  <mc:AlternateContent xmlns:mc="http://schemas.openxmlformats.org/markup-compatibility/2006" xmlns:p14="http://schemas.microsoft.com/office/powerpoint/2010/main">
+    <mc:Choice Requires="p14">
       <p:transition spd="slow" p14:dur="1600">
         <p14:prism isContent="1" isInverted="1"/>
       </p:transition>
     </mc:Choice>
-    <mc:Fallback>
+    <mc:Fallback xmlns="">
       <p:transition spd="slow">
         <p:fade/>
       </p:transition>
@@ -14845,6 +14737,20 @@
 <file path=ppt/slides/slide2.xml><?xml version="1.0" encoding="utf-8"?>
 <p:sld xmlns:a="http://schemas.openxmlformats.org/drawingml/2006/main" xmlns:r="http://schemas.openxmlformats.org/officeDocument/2006/relationships" xmlns:p="http://schemas.openxmlformats.org/presentationml/2006/main">
   <p:cSld>
+    <p:bg>
+      <p:bgPr>
+        <a:blipFill dpi="0" rotWithShape="1">
+          <a:blip r:embed="rId2">
+            <a:lum/>
+          </a:blip>
+          <a:srcRect/>
+          <a:stretch>
+            <a:fillRect l="-17000" r="-17000"/>
+          </a:stretch>
+        </a:blipFill>
+        <a:effectLst/>
+      </p:bgPr>
+    </p:bg>
     <p:spTree>
       <p:nvGrpSpPr>
         <p:cNvPr id="1" name=""/>
@@ -14899,7 +14805,7 @@
           </p:nvPr>
         </p:nvPicPr>
         <p:blipFill>
-          <a:blip r:embed="rId2">
+          <a:blip r:embed="rId3">
             <a:extLst>
               <a:ext uri="{28A0092B-C50C-407E-A947-70E740481C1C}">
                 <a14:useLocalDpi xmlns:a14="http://schemas.microsoft.com/office/drawing/2010/main" val="0"/>
@@ -14920,20 +14826,20 @@
     </p:spTree>
     <p:extLst>
       <p:ext uri="{BB962C8B-B14F-4D97-AF65-F5344CB8AC3E}">
-        <p14:creationId xmlns:p14="http://schemas.microsoft.com/office/powerpoint/2010/main" val="627860721"/>
+        <p14:creationId xmlns:p14="http://schemas.microsoft.com/office/powerpoint/2010/main" val="2592390848"/>
       </p:ext>
     </p:extLst>
   </p:cSld>
   <p:clrMapOvr>
     <a:masterClrMapping/>
   </p:clrMapOvr>
-  <mc:AlternateContent xmlns:mc="http://schemas.openxmlformats.org/markup-compatibility/2006">
-    <mc:Choice xmlns:p14="http://schemas.microsoft.com/office/powerpoint/2010/main" Requires="p14">
+  <mc:AlternateContent xmlns:mc="http://schemas.openxmlformats.org/markup-compatibility/2006" xmlns:p14="http://schemas.microsoft.com/office/powerpoint/2010/main">
+    <mc:Choice Requires="p14">
       <p:transition spd="slow" p14:dur="1600">
         <p14:prism isContent="1" isInverted="1"/>
       </p:transition>
     </mc:Choice>
-    <mc:Fallback>
+    <mc:Fallback xmlns="">
       <p:transition spd="slow">
         <p:fade/>
       </p:transition>
@@ -14952,6 +14858,20 @@
 <file path=ppt/slides/slide3.xml><?xml version="1.0" encoding="utf-8"?>
 <p:sld xmlns:a="http://schemas.openxmlformats.org/drawingml/2006/main" xmlns:r="http://schemas.openxmlformats.org/officeDocument/2006/relationships" xmlns:p="http://schemas.openxmlformats.org/presentationml/2006/main">
   <p:cSld>
+    <p:bg>
+      <p:bgPr>
+        <a:blipFill dpi="0" rotWithShape="1">
+          <a:blip r:embed="rId2">
+            <a:lum/>
+          </a:blip>
+          <a:srcRect/>
+          <a:stretch>
+            <a:fillRect l="-17000" r="-17000"/>
+          </a:stretch>
+        </a:blipFill>
+        <a:effectLst/>
+      </p:bgPr>
+    </p:bg>
     <p:spTree>
       <p:nvGrpSpPr>
         <p:cNvPr id="1" name=""/>
@@ -15006,7 +14926,7 @@
           </p:nvPr>
         </p:nvPicPr>
         <p:blipFill>
-          <a:blip r:embed="rId2">
+          <a:blip r:embed="rId3">
             <a:extLst>
               <a:ext uri="{28A0092B-C50C-407E-A947-70E740481C1C}">
                 <a14:useLocalDpi xmlns:a14="http://schemas.microsoft.com/office/drawing/2010/main" val="0"/>
@@ -15027,20 +14947,20 @@
     </p:spTree>
     <p:extLst>
       <p:ext uri="{BB962C8B-B14F-4D97-AF65-F5344CB8AC3E}">
-        <p14:creationId xmlns:p14="http://schemas.microsoft.com/office/powerpoint/2010/main" val="1845994276"/>
+        <p14:creationId xmlns:p14="http://schemas.microsoft.com/office/powerpoint/2010/main" val="3709845355"/>
       </p:ext>
     </p:extLst>
   </p:cSld>
   <p:clrMapOvr>
     <a:masterClrMapping/>
   </p:clrMapOvr>
-  <mc:AlternateContent xmlns:mc="http://schemas.openxmlformats.org/markup-compatibility/2006">
-    <mc:Choice xmlns:p14="http://schemas.microsoft.com/office/powerpoint/2010/main" Requires="p14">
+  <mc:AlternateContent xmlns:mc="http://schemas.openxmlformats.org/markup-compatibility/2006" xmlns:p14="http://schemas.microsoft.com/office/powerpoint/2010/main">
+    <mc:Choice Requires="p14">
       <p:transition spd="slow" p14:dur="1600">
         <p14:prism isContent="1" isInverted="1"/>
       </p:transition>
     </mc:Choice>
-    <mc:Fallback>
+    <mc:Fallback xmlns="">
       <p:transition spd="slow">
         <p:fade/>
       </p:transition>
@@ -15059,6 +14979,20 @@
 <file path=ppt/slides/slide4.xml><?xml version="1.0" encoding="utf-8"?>
 <p:sld xmlns:a="http://schemas.openxmlformats.org/drawingml/2006/main" xmlns:r="http://schemas.openxmlformats.org/officeDocument/2006/relationships" xmlns:p="http://schemas.openxmlformats.org/presentationml/2006/main">
   <p:cSld>
+    <p:bg>
+      <p:bgPr>
+        <a:blipFill dpi="0" rotWithShape="1">
+          <a:blip r:embed="rId2">
+            <a:lum/>
+          </a:blip>
+          <a:srcRect/>
+          <a:stretch>
+            <a:fillRect l="-17000" r="-17000"/>
+          </a:stretch>
+        </a:blipFill>
+        <a:effectLst/>
+      </p:bgPr>
+    </p:bg>
     <p:spTree>
       <p:nvGrpSpPr>
         <p:cNvPr id="1" name=""/>
@@ -15113,7 +15047,7 @@
           </p:nvPr>
         </p:nvPicPr>
         <p:blipFill>
-          <a:blip r:embed="rId2" cstate="print">
+          <a:blip r:embed="rId3" cstate="print">
             <a:extLst>
               <a:ext uri="{28A0092B-C50C-407E-A947-70E740481C1C}">
                 <a14:useLocalDpi xmlns:a14="http://schemas.microsoft.com/office/drawing/2010/main" val="0"/>
@@ -15134,20 +15068,20 @@
     </p:spTree>
     <p:extLst>
       <p:ext uri="{BB962C8B-B14F-4D97-AF65-F5344CB8AC3E}">
-        <p14:creationId xmlns:p14="http://schemas.microsoft.com/office/powerpoint/2010/main" val="2450345071"/>
+        <p14:creationId xmlns:p14="http://schemas.microsoft.com/office/powerpoint/2010/main" val="3341517131"/>
       </p:ext>
     </p:extLst>
   </p:cSld>
   <p:clrMapOvr>
     <a:masterClrMapping/>
   </p:clrMapOvr>
-  <mc:AlternateContent xmlns:mc="http://schemas.openxmlformats.org/markup-compatibility/2006">
-    <mc:Choice xmlns:p14="http://schemas.microsoft.com/office/powerpoint/2010/main" Requires="p14">
+  <mc:AlternateContent xmlns:mc="http://schemas.openxmlformats.org/markup-compatibility/2006" xmlns:p14="http://schemas.microsoft.com/office/powerpoint/2010/main">
+    <mc:Choice Requires="p14">
       <p:transition spd="slow" p14:dur="1600">
         <p14:prism isContent="1" isInverted="1"/>
       </p:transition>
     </mc:Choice>
-    <mc:Fallback>
+    <mc:Fallback xmlns="">
       <p:transition spd="slow">
         <p:fade/>
       </p:transition>
@@ -15166,6 +15100,20 @@
 <file path=ppt/slides/slide5.xml><?xml version="1.0" encoding="utf-8"?>
 <p:sld xmlns:a="http://schemas.openxmlformats.org/drawingml/2006/main" xmlns:r="http://schemas.openxmlformats.org/officeDocument/2006/relationships" xmlns:p="http://schemas.openxmlformats.org/presentationml/2006/main">
   <p:cSld>
+    <p:bg>
+      <p:bgPr>
+        <a:blipFill dpi="0" rotWithShape="1">
+          <a:blip r:embed="rId2">
+            <a:lum/>
+          </a:blip>
+          <a:srcRect/>
+          <a:stretch>
+            <a:fillRect l="-17000" r="-17000"/>
+          </a:stretch>
+        </a:blipFill>
+        <a:effectLst/>
+      </p:bgPr>
+    </p:bg>
     <p:spTree>
       <p:nvGrpSpPr>
         <p:cNvPr id="1" name=""/>
@@ -15219,7 +15167,7 @@
           <p:nvPr/>
         </p:nvPicPr>
         <p:blipFill rotWithShape="1">
-          <a:blip r:embed="rId2">
+          <a:blip r:embed="rId3">
             <a:extLst>
               <a:ext uri="{28A0092B-C50C-407E-A947-70E740481C1C}">
                 <a14:useLocalDpi xmlns:a14="http://schemas.microsoft.com/office/drawing/2010/main" val="0"/>
@@ -15250,7 +15198,7 @@
           </p:nvPr>
         </p:nvPicPr>
         <p:blipFill>
-          <a:blip r:embed="rId3">
+          <a:blip r:embed="rId4">
             <a:extLst>
               <a:ext uri="{28A0092B-C50C-407E-A947-70E740481C1C}">
                 <a14:useLocalDpi xmlns:a14="http://schemas.microsoft.com/office/drawing/2010/main" val="0"/>
@@ -15277,7 +15225,7 @@
           <p:nvPr/>
         </p:nvPicPr>
         <p:blipFill rotWithShape="1">
-          <a:blip r:embed="rId4">
+          <a:blip r:embed="rId5">
             <a:extLst>
               <a:ext uri="{28A0092B-C50C-407E-A947-70E740481C1C}">
                 <a14:useLocalDpi xmlns:a14="http://schemas.microsoft.com/office/drawing/2010/main" val="0"/>
@@ -15323,20 +15271,20 @@
     </p:spTree>
     <p:extLst>
       <p:ext uri="{BB962C8B-B14F-4D97-AF65-F5344CB8AC3E}">
-        <p14:creationId xmlns:p14="http://schemas.microsoft.com/office/powerpoint/2010/main" val="1179812342"/>
+        <p14:creationId xmlns:p14="http://schemas.microsoft.com/office/powerpoint/2010/main" val="3739806728"/>
       </p:ext>
     </p:extLst>
   </p:cSld>
   <p:clrMapOvr>
     <a:masterClrMapping/>
   </p:clrMapOvr>
-  <mc:AlternateContent xmlns:mc="http://schemas.openxmlformats.org/markup-compatibility/2006">
-    <mc:Choice xmlns:p14="http://schemas.microsoft.com/office/powerpoint/2010/main" Requires="p14">
+  <mc:AlternateContent xmlns:mc="http://schemas.openxmlformats.org/markup-compatibility/2006" xmlns:p14="http://schemas.microsoft.com/office/powerpoint/2010/main">
+    <mc:Choice Requires="p14">
       <p:transition spd="slow" p14:dur="1600">
         <p14:prism isContent="1" isInverted="1"/>
       </p:transition>
     </mc:Choice>
-    <mc:Fallback>
+    <mc:Fallback xmlns="">
       <p:transition spd="slow">
         <p:fade/>
       </p:transition>
@@ -15355,6 +15303,20 @@
 <file path=ppt/slides/slide6.xml><?xml version="1.0" encoding="utf-8"?>
 <p:sld xmlns:a="http://schemas.openxmlformats.org/drawingml/2006/main" xmlns:r="http://schemas.openxmlformats.org/officeDocument/2006/relationships" xmlns:p="http://schemas.openxmlformats.org/presentationml/2006/main">
   <p:cSld>
+    <p:bg>
+      <p:bgPr>
+        <a:blipFill dpi="0" rotWithShape="1">
+          <a:blip r:embed="rId2">
+            <a:lum/>
+          </a:blip>
+          <a:srcRect/>
+          <a:stretch>
+            <a:fillRect l="-17000" r="-17000"/>
+          </a:stretch>
+        </a:blipFill>
+        <a:effectLst/>
+      </p:bgPr>
+    </p:bg>
     <p:spTree>
       <p:nvGrpSpPr>
         <p:cNvPr id="1" name=""/>
@@ -15409,7 +15371,7 @@
           </p:nvPr>
         </p:nvPicPr>
         <p:blipFill>
-          <a:blip r:embed="rId2">
+          <a:blip r:embed="rId3">
             <a:extLst>
               <a:ext uri="{28A0092B-C50C-407E-A947-70E740481C1C}">
                 <a14:useLocalDpi xmlns:a14="http://schemas.microsoft.com/office/drawing/2010/main" val="0"/>
@@ -15430,20 +15392,20 @@
     </p:spTree>
     <p:extLst>
       <p:ext uri="{BB962C8B-B14F-4D97-AF65-F5344CB8AC3E}">
-        <p14:creationId xmlns:p14="http://schemas.microsoft.com/office/powerpoint/2010/main" val="386267828"/>
+        <p14:creationId xmlns:p14="http://schemas.microsoft.com/office/powerpoint/2010/main" val="4293012610"/>
       </p:ext>
     </p:extLst>
   </p:cSld>
   <p:clrMapOvr>
     <a:masterClrMapping/>
   </p:clrMapOvr>
-  <mc:AlternateContent xmlns:mc="http://schemas.openxmlformats.org/markup-compatibility/2006">
-    <mc:Choice xmlns:p14="http://schemas.microsoft.com/office/powerpoint/2010/main" Requires="p14">
+  <mc:AlternateContent xmlns:mc="http://schemas.openxmlformats.org/markup-compatibility/2006" xmlns:p14="http://schemas.microsoft.com/office/powerpoint/2010/main">
+    <mc:Choice Requires="p14">
       <p:transition spd="slow" p14:dur="1600">
         <p14:prism isContent="1" isInverted="1"/>
       </p:transition>
     </mc:Choice>
-    <mc:Fallback>
+    <mc:Fallback xmlns="">
       <p:transition spd="slow">
         <p:fade/>
       </p:transition>
@@ -15462,6 +15424,20 @@
 <file path=ppt/slides/slide7.xml><?xml version="1.0" encoding="utf-8"?>
 <p:sld xmlns:a="http://schemas.openxmlformats.org/drawingml/2006/main" xmlns:r="http://schemas.openxmlformats.org/officeDocument/2006/relationships" xmlns:p="http://schemas.openxmlformats.org/presentationml/2006/main">
   <p:cSld>
+    <p:bg>
+      <p:bgPr>
+        <a:blipFill dpi="0" rotWithShape="1">
+          <a:blip r:embed="rId2">
+            <a:lum/>
+          </a:blip>
+          <a:srcRect/>
+          <a:stretch>
+            <a:fillRect l="-17000" r="-17000"/>
+          </a:stretch>
+        </a:blipFill>
+        <a:effectLst/>
+      </p:bgPr>
+    </p:bg>
     <p:spTree>
       <p:nvGrpSpPr>
         <p:cNvPr id="1" name=""/>
@@ -15487,7 +15463,7 @@
           </p:nvPr>
         </p:nvPicPr>
         <p:blipFill rotWithShape="1">
-          <a:blip r:embed="rId2">
+          <a:blip r:embed="rId3">
             <a:extLst>
               <a:ext uri="{28A0092B-C50C-407E-A947-70E740481C1C}">
                 <a14:useLocalDpi xmlns:a14="http://schemas.microsoft.com/office/drawing/2010/main" val="0"/>
@@ -15560,20 +15536,20 @@
     </p:spTree>
     <p:extLst>
       <p:ext uri="{BB962C8B-B14F-4D97-AF65-F5344CB8AC3E}">
-        <p14:creationId xmlns:p14="http://schemas.microsoft.com/office/powerpoint/2010/main" val="1301991960"/>
+        <p14:creationId xmlns:p14="http://schemas.microsoft.com/office/powerpoint/2010/main" val="3569058138"/>
       </p:ext>
     </p:extLst>
   </p:cSld>
   <p:clrMapOvr>
     <a:masterClrMapping/>
   </p:clrMapOvr>
-  <mc:AlternateContent xmlns:mc="http://schemas.openxmlformats.org/markup-compatibility/2006">
-    <mc:Choice xmlns:p14="http://schemas.microsoft.com/office/powerpoint/2010/main" Requires="p14">
+  <mc:AlternateContent xmlns:mc="http://schemas.openxmlformats.org/markup-compatibility/2006" xmlns:p14="http://schemas.microsoft.com/office/powerpoint/2010/main">
+    <mc:Choice Requires="p14">
       <p:transition spd="slow" p14:dur="1600">
         <p14:prism isContent="1" isInverted="1"/>
       </p:transition>
     </mc:Choice>
-    <mc:Fallback>
+    <mc:Fallback xmlns="">
       <p:transition spd="slow">
         <p:fade/>
       </p:transition>
@@ -15592,6 +15568,20 @@
 <file path=ppt/slides/slide8.xml><?xml version="1.0" encoding="utf-8"?>
 <p:sld xmlns:a="http://schemas.openxmlformats.org/drawingml/2006/main" xmlns:r="http://schemas.openxmlformats.org/officeDocument/2006/relationships" xmlns:p="http://schemas.openxmlformats.org/presentationml/2006/main">
   <p:cSld>
+    <p:bg>
+      <p:bgPr>
+        <a:blipFill dpi="0" rotWithShape="1">
+          <a:blip r:embed="rId2">
+            <a:lum/>
+          </a:blip>
+          <a:srcRect/>
+          <a:stretch>
+            <a:fillRect l="-17000" r="-17000"/>
+          </a:stretch>
+        </a:blipFill>
+        <a:effectLst/>
+      </p:bgPr>
+    </p:bg>
     <p:spTree>
       <p:nvGrpSpPr>
         <p:cNvPr id="1" name=""/>
@@ -15679,7 +15669,7 @@
           </p:nvPr>
         </p:nvPicPr>
         <p:blipFill>
-          <a:blip r:embed="rId2">
+          <a:blip r:embed="rId3">
             <a:extLst>
               <a:ext uri="{28A0092B-C50C-407E-A947-70E740481C1C}">
                 <a14:useLocalDpi xmlns:a14="http://schemas.microsoft.com/office/drawing/2010/main" val="0"/>
@@ -15700,20 +15690,20 @@
     </p:spTree>
     <p:extLst>
       <p:ext uri="{BB962C8B-B14F-4D97-AF65-F5344CB8AC3E}">
-        <p14:creationId xmlns:p14="http://schemas.microsoft.com/office/powerpoint/2010/main" val="3366072761"/>
+        <p14:creationId xmlns:p14="http://schemas.microsoft.com/office/powerpoint/2010/main" val="1302033002"/>
       </p:ext>
     </p:extLst>
   </p:cSld>
   <p:clrMapOvr>
     <a:masterClrMapping/>
   </p:clrMapOvr>
-  <mc:AlternateContent xmlns:mc="http://schemas.openxmlformats.org/markup-compatibility/2006">
-    <mc:Choice xmlns:p14="http://schemas.microsoft.com/office/powerpoint/2010/main" Requires="p14">
+  <mc:AlternateContent xmlns:mc="http://schemas.openxmlformats.org/markup-compatibility/2006" xmlns:p14="http://schemas.microsoft.com/office/powerpoint/2010/main">
+    <mc:Choice Requires="p14">
       <p:transition spd="slow" p14:dur="1600">
         <p14:prism isContent="1" isInverted="1"/>
       </p:transition>
     </mc:Choice>
-    <mc:Fallback>
+    <mc:Fallback xmlns="">
       <p:transition spd="slow">
         <p:fade/>
       </p:transition>
@@ -15732,6 +15722,20 @@
 <file path=ppt/slides/slide9.xml><?xml version="1.0" encoding="utf-8"?>
 <p:sld xmlns:a="http://schemas.openxmlformats.org/drawingml/2006/main" xmlns:r="http://schemas.openxmlformats.org/officeDocument/2006/relationships" xmlns:p="http://schemas.openxmlformats.org/presentationml/2006/main">
   <p:cSld>
+    <p:bg>
+      <p:bgPr>
+        <a:blipFill dpi="0" rotWithShape="1">
+          <a:blip r:embed="rId2">
+            <a:lum/>
+          </a:blip>
+          <a:srcRect/>
+          <a:stretch>
+            <a:fillRect l="-17000" r="-17000"/>
+          </a:stretch>
+        </a:blipFill>
+        <a:effectLst/>
+      </p:bgPr>
+    </p:bg>
     <p:spTree>
       <p:nvGrpSpPr>
         <p:cNvPr id="1" name=""/>
@@ -15795,7 +15799,7 @@
           </p:nvPr>
         </p:nvPicPr>
         <p:blipFill rotWithShape="1">
-          <a:blip r:embed="rId2">
+          <a:blip r:embed="rId3">
             <a:extLst>
               <a:ext uri="{28A0092B-C50C-407E-A947-70E740481C1C}">
                 <a14:useLocalDpi xmlns:a14="http://schemas.microsoft.com/office/drawing/2010/main" val="0"/>
@@ -15815,20 +15819,20 @@
     </p:spTree>
     <p:extLst>
       <p:ext uri="{BB962C8B-B14F-4D97-AF65-F5344CB8AC3E}">
-        <p14:creationId xmlns:p14="http://schemas.microsoft.com/office/powerpoint/2010/main" val="2899181746"/>
+        <p14:creationId xmlns:p14="http://schemas.microsoft.com/office/powerpoint/2010/main" val="511864189"/>
       </p:ext>
     </p:extLst>
   </p:cSld>
   <p:clrMapOvr>
     <a:masterClrMapping/>
   </p:clrMapOvr>
-  <mc:AlternateContent xmlns:mc="http://schemas.openxmlformats.org/markup-compatibility/2006">
-    <mc:Choice xmlns:p14="http://schemas.microsoft.com/office/powerpoint/2010/main" Requires="p14">
+  <mc:AlternateContent xmlns:mc="http://schemas.openxmlformats.org/markup-compatibility/2006" xmlns:p14="http://schemas.microsoft.com/office/powerpoint/2010/main">
+    <mc:Choice Requires="p14">
       <p:transition spd="slow" p14:dur="1600">
         <p14:prism isContent="1" isInverted="1"/>
       </p:transition>
     </mc:Choice>
-    <mc:Fallback>
+    <mc:Fallback xmlns="">
       <p:transition spd="slow">
         <p:fade/>
       </p:transition>

--- a/Car Service/doc/Prezentacja.pptx
+++ b/Car Service/doc/Prezentacja.pptx
@@ -14022,6 +14022,13 @@
   <p:clrMapOvr>
     <a:masterClrMapping/>
   </p:clrMapOvr>
+  <p:timing>
+    <p:tnLst>
+      <p:par>
+        <p:cTn id="1" dur="indefinite" restart="never" nodeType="tmRoot"/>
+      </p:par>
+    </p:tnLst>
+  </p:timing>
 </p:sld>
 </file>
 
@@ -14104,7 +14111,7 @@
       </p:sp>
       <p:pic>
         <p:nvPicPr>
-          <p:cNvPr id="4" name="Symbol zastępczy zawartości 3"/>
+          <p:cNvPr id="6" name="Symbol zastępczy zawartości 5"/>
           <p:cNvPicPr>
             <a:picLocks noGrp="1" noChangeAspect="1"/>
           </p:cNvPicPr>
@@ -14113,7 +14120,7 @@
           </p:nvPr>
         </p:nvPicPr>
         <p:blipFill>
-          <a:blip r:embed="rId3">
+          <a:blip r:embed="rId3" cstate="print">
             <a:extLst>
               <a:ext uri="{28A0092B-C50C-407E-A947-70E740481C1C}">
                 <a14:useLocalDpi xmlns:a14="http://schemas.microsoft.com/office/drawing/2010/main" val="0"/>
@@ -14126,34 +14133,35 @@
         </p:blipFill>
         <p:spPr>
           <a:xfrm>
-            <a:off x="899592" y="1496516"/>
-            <a:ext cx="3168352" cy="4755951"/>
+            <a:off x="971600" y="1317576"/>
+            <a:ext cx="2807276" cy="4896000"/>
           </a:xfrm>
         </p:spPr>
       </p:pic>
       <p:pic>
         <p:nvPicPr>
-          <p:cNvPr id="5" name="Obraz 4"/>
+          <p:cNvPr id="7" name="Obraz 6"/>
           <p:cNvPicPr>
             <a:picLocks noChangeAspect="1"/>
           </p:cNvPicPr>
           <p:nvPr/>
         </p:nvPicPr>
-        <p:blipFill rotWithShape="1">
-          <a:blip r:embed="rId4">
+        <p:blipFill>
+          <a:blip r:embed="rId4" cstate="print">
             <a:extLst>
               <a:ext uri="{28A0092B-C50C-407E-A947-70E740481C1C}">
                 <a14:useLocalDpi xmlns:a14="http://schemas.microsoft.com/office/drawing/2010/main" val="0"/>
               </a:ext>
             </a:extLst>
           </a:blip>
-          <a:srcRect/>
-          <a:stretch/>
+          <a:stretch>
+            <a:fillRect/>
+          </a:stretch>
         </p:blipFill>
         <p:spPr>
           <a:xfrm>
-            <a:off x="5078384" y="1506860"/>
-            <a:ext cx="3126808" cy="4732436"/>
+            <a:off x="4860032" y="1340202"/>
+            <a:ext cx="2807245" cy="4896000"/>
           </a:xfrm>
           <a:prstGeom prst="rect">
             <a:avLst/>
@@ -14261,7 +14269,7 @@
       </p:sp>
       <p:pic>
         <p:nvPicPr>
-          <p:cNvPr id="4" name="Symbol zastępczy zawartości 3"/>
+          <p:cNvPr id="5" name="Symbol zastępczy zawartości 4"/>
           <p:cNvPicPr>
             <a:picLocks noGrp="1" noChangeAspect="1"/>
           </p:cNvPicPr>
@@ -14270,7 +14278,7 @@
           </p:nvPr>
         </p:nvPicPr>
         <p:blipFill>
-          <a:blip r:embed="rId3">
+          <a:blip r:embed="rId3" cstate="print">
             <a:extLst>
               <a:ext uri="{28A0092B-C50C-407E-A947-70E740481C1C}">
                 <a14:useLocalDpi xmlns:a14="http://schemas.microsoft.com/office/drawing/2010/main" val="0"/>
@@ -14283,8 +14291,8 @@
         </p:blipFill>
         <p:spPr>
           <a:xfrm>
-            <a:off x="2771800" y="1340768"/>
-            <a:ext cx="3404204" cy="5040560"/>
+            <a:off x="3203848" y="1412776"/>
+            <a:ext cx="2807276" cy="4896000"/>
           </a:xfrm>
         </p:spPr>
       </p:pic>
@@ -14391,7 +14399,7 @@
       </p:sp>
       <p:pic>
         <p:nvPicPr>
-          <p:cNvPr id="4" name="Symbol zastępczy zawartości 3"/>
+          <p:cNvPr id="5" name="Symbol zastępczy zawartości 4"/>
           <p:cNvPicPr>
             <a:picLocks noGrp="1" noChangeAspect="1"/>
           </p:cNvPicPr>
@@ -14400,7 +14408,7 @@
           </p:nvPr>
         </p:nvPicPr>
         <p:blipFill>
-          <a:blip r:embed="rId3">
+          <a:blip r:embed="rId3" cstate="print">
             <a:extLst>
               <a:ext uri="{28A0092B-C50C-407E-A947-70E740481C1C}">
                 <a14:useLocalDpi xmlns:a14="http://schemas.microsoft.com/office/drawing/2010/main" val="0"/>
@@ -14413,8 +14421,8 @@
         </p:blipFill>
         <p:spPr>
           <a:xfrm>
-            <a:off x="2699792" y="1340768"/>
-            <a:ext cx="3384376" cy="5087574"/>
+            <a:off x="3203848" y="1412776"/>
+            <a:ext cx="2807276" cy="4896000"/>
           </a:xfrm>
         </p:spPr>
       </p:pic>
@@ -14545,7 +14553,7 @@
       </p:sp>
       <p:pic>
         <p:nvPicPr>
-          <p:cNvPr id="4" name="Symbol zastępczy zawartości 3"/>
+          <p:cNvPr id="5" name="Symbol zastępczy zawartości 4"/>
           <p:cNvPicPr>
             <a:picLocks noGrp="1" noChangeAspect="1"/>
           </p:cNvPicPr>
@@ -14554,7 +14562,7 @@
           </p:nvPr>
         </p:nvPicPr>
         <p:blipFill>
-          <a:blip r:embed="rId3">
+          <a:blip r:embed="rId3" cstate="print">
             <a:extLst>
               <a:ext uri="{28A0092B-C50C-407E-A947-70E740481C1C}">
                 <a14:useLocalDpi xmlns:a14="http://schemas.microsoft.com/office/drawing/2010/main" val="0"/>
@@ -14567,8 +14575,8 @@
         </p:blipFill>
         <p:spPr>
           <a:xfrm>
-            <a:off x="2987824" y="1484784"/>
-            <a:ext cx="3297344" cy="4824536"/>
+            <a:off x="3203848" y="1412776"/>
+            <a:ext cx="2807276" cy="4896000"/>
           </a:xfrm>
         </p:spPr>
       </p:pic>
@@ -14675,7 +14683,7 @@
       </p:sp>
       <p:pic>
         <p:nvPicPr>
-          <p:cNvPr id="4" name="Symbol zastępczy zawartości 3"/>
+          <p:cNvPr id="5" name="Symbol zastępczy zawartości 4"/>
           <p:cNvPicPr>
             <a:picLocks noGrp="1" noChangeAspect="1"/>
           </p:cNvPicPr>
@@ -14684,7 +14692,7 @@
           </p:nvPr>
         </p:nvPicPr>
         <p:blipFill>
-          <a:blip r:embed="rId3">
+          <a:blip r:embed="rId3" cstate="print">
             <a:extLst>
               <a:ext uri="{28A0092B-C50C-407E-A947-70E740481C1C}">
                 <a14:useLocalDpi xmlns:a14="http://schemas.microsoft.com/office/drawing/2010/main" val="0"/>
@@ -14697,9 +14705,39 @@
         </p:blipFill>
         <p:spPr>
           <a:xfrm>
-            <a:off x="3059832" y="1556792"/>
-            <a:ext cx="3172427" cy="4680520"/>
+            <a:off x="1259632" y="1318142"/>
+            <a:ext cx="2807276" cy="4896000"/>
           </a:xfrm>
+        </p:spPr>
+      </p:pic>
+      <p:pic>
+        <p:nvPicPr>
+          <p:cNvPr id="6" name="Obraz 5"/>
+          <p:cNvPicPr>
+            <a:picLocks noChangeAspect="1"/>
+          </p:cNvPicPr>
+          <p:nvPr/>
+        </p:nvPicPr>
+        <p:blipFill>
+          <a:blip r:embed="rId4" cstate="print">
+            <a:extLst>
+              <a:ext uri="{28A0092B-C50C-407E-A947-70E740481C1C}">
+                <a14:useLocalDpi xmlns:a14="http://schemas.microsoft.com/office/drawing/2010/main" val="0"/>
+              </a:ext>
+            </a:extLst>
+          </a:blip>
+          <a:stretch>
+            <a:fillRect/>
+          </a:stretch>
+        </p:blipFill>
+        <p:spPr>
+          <a:xfrm>
+            <a:off x="5148064" y="1318142"/>
+            <a:ext cx="2807244" cy="4896000"/>
+          </a:xfrm>
+          <a:prstGeom prst="rect">
+            <a:avLst/>
+          </a:prstGeom>
         </p:spPr>
       </p:pic>
     </p:spTree>
@@ -15452,34 +15490,6 @@
           <a:chExt cx="0" cy="0"/>
         </a:xfrm>
       </p:grpSpPr>
-      <p:pic>
-        <p:nvPicPr>
-          <p:cNvPr id="4" name="Symbol zastępczy zawartości 3"/>
-          <p:cNvPicPr>
-            <a:picLocks noGrp="1" noChangeAspect="1"/>
-          </p:cNvPicPr>
-          <p:nvPr>
-            <p:ph idx="1"/>
-          </p:nvPr>
-        </p:nvPicPr>
-        <p:blipFill rotWithShape="1">
-          <a:blip r:embed="rId3">
-            <a:extLst>
-              <a:ext uri="{28A0092B-C50C-407E-A947-70E740481C1C}">
-                <a14:useLocalDpi xmlns:a14="http://schemas.microsoft.com/office/drawing/2010/main" val="0"/>
-              </a:ext>
-            </a:extLst>
-          </a:blip>
-          <a:srcRect l="-1" r="1878" b="1221"/>
-          <a:stretch/>
-        </p:blipFill>
-        <p:spPr>
-          <a:xfrm>
-            <a:off x="2787351" y="1340768"/>
-            <a:ext cx="3470842" cy="5077048"/>
-          </a:xfrm>
-        </p:spPr>
-      </p:pic>
       <p:sp>
         <p:nvSpPr>
           <p:cNvPr id="8" name="Prostokąt 7"/>
@@ -15533,6 +15543,35 @@
           </a:p>
         </p:txBody>
       </p:sp>
+      <p:pic>
+        <p:nvPicPr>
+          <p:cNvPr id="3" name="Symbol zastępczy zawartości 2"/>
+          <p:cNvPicPr>
+            <a:picLocks noGrp="1" noChangeAspect="1"/>
+          </p:cNvPicPr>
+          <p:nvPr>
+            <p:ph idx="1"/>
+          </p:nvPr>
+        </p:nvPicPr>
+        <p:blipFill>
+          <a:blip r:embed="rId3" cstate="print">
+            <a:extLst>
+              <a:ext uri="{28A0092B-C50C-407E-A947-70E740481C1C}">
+                <a14:useLocalDpi xmlns:a14="http://schemas.microsoft.com/office/drawing/2010/main" val="0"/>
+              </a:ext>
+            </a:extLst>
+          </a:blip>
+          <a:stretch>
+            <a:fillRect/>
+          </a:stretch>
+        </p:blipFill>
+        <p:spPr>
+          <a:xfrm>
+            <a:off x="3275856" y="1387176"/>
+            <a:ext cx="2808000" cy="4897286"/>
+          </a:xfrm>
+        </p:spPr>
+      </p:pic>
     </p:spTree>
     <p:extLst>
       <p:ext uri="{BB962C8B-B14F-4D97-AF65-F5344CB8AC3E}">
@@ -15660,7 +15699,7 @@
       </p:sp>
       <p:pic>
         <p:nvPicPr>
-          <p:cNvPr id="6" name="Symbol zastępczy zawartości 5"/>
+          <p:cNvPr id="7" name="Symbol zastępczy zawartości 6"/>
           <p:cNvPicPr>
             <a:picLocks noGrp="1" noChangeAspect="1"/>
           </p:cNvPicPr>
@@ -15669,7 +15708,7 @@
           </p:nvPr>
         </p:nvPicPr>
         <p:blipFill>
-          <a:blip r:embed="rId3">
+          <a:blip r:embed="rId3" cstate="print">
             <a:extLst>
               <a:ext uri="{28A0092B-C50C-407E-A947-70E740481C1C}">
                 <a14:useLocalDpi xmlns:a14="http://schemas.microsoft.com/office/drawing/2010/main" val="0"/>
@@ -15682,8 +15721,8 @@
         </p:blipFill>
         <p:spPr>
           <a:xfrm>
-            <a:off x="2843808" y="1340768"/>
-            <a:ext cx="3456384" cy="5037924"/>
+            <a:off x="3275856" y="1412776"/>
+            <a:ext cx="2807276" cy="4896000"/>
           </a:xfrm>
         </p:spPr>
       </p:pic>
@@ -15790,7 +15829,7 @@
       </p:sp>
       <p:pic>
         <p:nvPicPr>
-          <p:cNvPr id="4" name="Symbol zastępczy zawartości 3"/>
+          <p:cNvPr id="5" name="Symbol zastępczy zawartości 4"/>
           <p:cNvPicPr>
             <a:picLocks noGrp="1" noChangeAspect="1"/>
           </p:cNvPicPr>
@@ -15798,21 +15837,22 @@
             <p:ph idx="1"/>
           </p:nvPr>
         </p:nvPicPr>
-        <p:blipFill rotWithShape="1">
-          <a:blip r:embed="rId3">
+        <p:blipFill>
+          <a:blip r:embed="rId3" cstate="print">
             <a:extLst>
               <a:ext uri="{28A0092B-C50C-407E-A947-70E740481C1C}">
                 <a14:useLocalDpi xmlns:a14="http://schemas.microsoft.com/office/drawing/2010/main" val="0"/>
               </a:ext>
             </a:extLst>
           </a:blip>
-          <a:srcRect b="1410"/>
-          <a:stretch/>
+          <a:stretch>
+            <a:fillRect/>
+          </a:stretch>
         </p:blipFill>
         <p:spPr>
           <a:xfrm>
-            <a:off x="2843808" y="1340768"/>
-            <a:ext cx="3312368" cy="4894932"/>
+            <a:off x="3275856" y="1412776"/>
+            <a:ext cx="2807276" cy="4896000"/>
           </a:xfrm>
         </p:spPr>
       </p:pic>
